--- a/인벤토리구조.pptx
+++ b/인벤토리구조.pptx
@@ -9,6 +9,8 @@
     <p:sldId id="257" r:id="rId3"/>
     <p:sldId id="258" r:id="rId4"/>
     <p:sldId id="259" r:id="rId5"/>
+    <p:sldId id="261" r:id="rId6"/>
+    <p:sldId id="260" r:id="rId7"/>
   </p:sldIdLst>
   <p:sldSz cx="12192000" cy="6858000"/>
   <p:notesSz cx="6858000" cy="9144000"/>
@@ -107,6 +109,11 @@
       </a:defRPr>
     </a:lvl9pPr>
   </p:defaultTextStyle>
+  <p:extLst>
+    <p:ext uri="{EFAFB233-063F-42B5-8137-9DF3F51BA10A}">
+      <p15:sldGuideLst xmlns:p15="http://schemas.microsoft.com/office/powerpoint/2012/main"/>
+    </p:ext>
+  </p:extLst>
 </p:presentation>
 </file>
 
@@ -134,6 +141,90 @@
     </inkml:brush>
   </inkml:definitions>
   <inkml:trace contextRef="#ctx0" brushRef="#br0">0 169 24575,'601'-14'0,"-49"1"0,-239 12 0,931-35 0,-980 11 0,389-31 0,2 33 0,-226 23 0,348 4 0,-76 59 0,-370-25 0,762 109 0,-945-122 0,1-7 0,214-1 0,62-19 0,730 15 0,-1115-11 0,-26-3 0,0 1 0,0 1 0,0 1 0,1 0 0,-1 0 0,-1 1 0,1 1 0,20 8 0,-32-10 0,1 0 0,-1 0 0,1 0 0,-1 0 0,0 1 0,0-1 0,0 1 0,0-1 0,0 1 0,0 0 0,-1-1 0,1 1 0,-1 0 0,0 0 0,0 0 0,0 0 0,0 0 0,-1 1 0,1-1 0,-1 0 0,0 5 0,1 11 0,-2 0 0,-4 32 0,0-11 0,-8 429 0,-4 56 0,-84 643 0,92-1077 0,0-2 0,-3 0 0,-5-1 0,-3 0 0,-42 110 0,50-171 0,-2 0 0,0-1 0,-36 48 0,-66 64 0,105-126 0,-52 60 0,-3-3 0,-3-4 0,-3-2 0,-115 77 0,171-131 0,0 0 0,-1-2 0,0 1 0,0-2 0,-1-1 0,1 0 0,-1-1 0,-24 2 0,-16-2 0,-76-4 0,75-1 0,-7609-60 0,7562 55 0,-181-31 0,-26-3 0,297 39 0,7 1 0,0 0 0,0-1 0,0 0 0,1-1 0,-12-3 0,18 4 0,0 1 0,0-1 0,0 0 0,0-1 0,0 1 0,0 0 0,0 0 0,1-1 0,-1 1 0,0-1 0,1 0 0,-1 1 0,1-1 0,0 0 0,-1 0 0,1 0 0,0 0 0,0 0 0,0 0 0,1 0 0,-1 0 0,0 0 0,1-1 0,0 1 0,-1-4 0,-34-195 0,22 143 0,2-1 0,-3-70 0,12-528 0,5 315 0,-3 310 0,-2-30 0,3 1 0,3 0 0,2 0 0,23-96 0,-20 118 0,7-64 0,-1-1 0,20-121 0,0-5 0,21-64 0,-10 55 0,-17 51 284,-13 68-1933,-11 90-5177</inkml:trace>
+</inkml:ink>
+</file>
+
+<file path=ppt/ink/ink10.xml><?xml version="1.0" encoding="utf-8"?>
+<inkml:ink xmlns:inkml="http://www.w3.org/2003/InkML">
+  <inkml:definitions>
+    <inkml:context xml:id="ctx0">
+      <inkml:inkSource xml:id="inkSrc0">
+        <inkml:traceFormat>
+          <inkml:channel name="X" type="integer" min="-2.14748E9" max="2.14748E9" units="cm"/>
+          <inkml:channel name="Y" type="integer" min="-2.14748E9" max="2.14748E9" units="cm"/>
+          <inkml:channel name="F" type="integer" max="32767" units="dev"/>
+        </inkml:traceFormat>
+        <inkml:channelProperties>
+          <inkml:channelProperty channel="X" name="resolution" value="1000" units="1/cm"/>
+          <inkml:channelProperty channel="Y" name="resolution" value="1000" units="1/cm"/>
+          <inkml:channelProperty channel="F" name="resolution" value="0" units="1/dev"/>
+        </inkml:channelProperties>
+      </inkml:inkSource>
+      <inkml:timestamp xml:id="ts0" timeString="2025-07-13T08:39:56.367"/>
+    </inkml:context>
+    <inkml:brush xml:id="br0">
+      <inkml:brushProperty name="width" value="0.035" units="cm"/>
+      <inkml:brushProperty name="height" value="0.035" units="cm"/>
+      <inkml:brushProperty name="color" value="#E71224"/>
+    </inkml:brush>
+  </inkml:definitions>
+  <inkml:trace contextRef="#ctx0" brushRef="#br0">0 1 24575,'30'0'0,"0"2"0,0 2 0,-1 0 0,0 2 0,0 1 0,47 19 0,203 69 0,-17-7 0,-224-74 0,-13-6 0,0 2 0,-1 0 0,0 2 0,35 22 0,-11-1 0,-22-16 0,-1 1 0,-1 1 0,25 25 0,-30-23 0,-1 2 0,-1 0 0,-1 1 0,-1 1 0,21 48 0,-26-42 0,-1 1 0,-2 0 0,5 53 0,-11-76 0,3 43-236,-2 62-1,-3-87-655,1-3-5934</inkml:trace>
+</inkml:ink>
+</file>
+
+<file path=ppt/ink/ink11.xml><?xml version="1.0" encoding="utf-8"?>
+<inkml:ink xmlns:inkml="http://www.w3.org/2003/InkML">
+  <inkml:definitions>
+    <inkml:context xml:id="ctx0">
+      <inkml:inkSource xml:id="inkSrc0">
+        <inkml:traceFormat>
+          <inkml:channel name="X" type="integer" min="-2.14748E9" max="2.14748E9" units="cm"/>
+          <inkml:channel name="Y" type="integer" min="-2.14748E9" max="2.14748E9" units="cm"/>
+          <inkml:channel name="F" type="integer" max="32767" units="dev"/>
+        </inkml:traceFormat>
+        <inkml:channelProperties>
+          <inkml:channelProperty channel="X" name="resolution" value="1000" units="1/cm"/>
+          <inkml:channelProperty channel="Y" name="resolution" value="1000" units="1/cm"/>
+          <inkml:channelProperty channel="F" name="resolution" value="0" units="1/dev"/>
+        </inkml:channelProperties>
+      </inkml:inkSource>
+      <inkml:timestamp xml:id="ts0" timeString="2025-07-13T08:39:57.309"/>
+    </inkml:context>
+    <inkml:brush xml:id="br0">
+      <inkml:brushProperty name="width" value="0.035" units="cm"/>
+      <inkml:brushProperty name="height" value="0.035" units="cm"/>
+      <inkml:brushProperty name="color" value="#E71224"/>
+    </inkml:brush>
+  </inkml:definitions>
+  <inkml:trace contextRef="#ctx0" brushRef="#br0">1 193 24575,'27'-1'0,"1"-2"0,0-2 0,50-13 0,-15 2 0,552-102 0,-485 101 0,1 5 0,234 9 0,-333 7 8,-1 1 0,0 1 0,0 1 0,-1 2-1,58 25 1,139 86-265,-114-57-898,-87-49-5671</inkml:trace>
+</inkml:ink>
+</file>
+
+<file path=ppt/ink/ink12.xml><?xml version="1.0" encoding="utf-8"?>
+<inkml:ink xmlns:inkml="http://www.w3.org/2003/InkML">
+  <inkml:definitions>
+    <inkml:context xml:id="ctx0">
+      <inkml:inkSource xml:id="inkSrc0">
+        <inkml:traceFormat>
+          <inkml:channel name="X" type="integer" min="-2.14748E9" max="2.14748E9" units="cm"/>
+          <inkml:channel name="Y" type="integer" min="-2.14748E9" max="2.14748E9" units="cm"/>
+          <inkml:channel name="F" type="integer" max="32767" units="dev"/>
+        </inkml:traceFormat>
+        <inkml:channelProperties>
+          <inkml:channelProperty channel="X" name="resolution" value="1000" units="1/cm"/>
+          <inkml:channelProperty channel="Y" name="resolution" value="1000" units="1/cm"/>
+          <inkml:channelProperty channel="F" name="resolution" value="0" units="1/dev"/>
+        </inkml:channelProperties>
+      </inkml:inkSource>
+      <inkml:timestamp xml:id="ts0" timeString="2025-07-13T08:39:58.680"/>
+    </inkml:context>
+    <inkml:brush xml:id="br0">
+      <inkml:brushProperty name="width" value="0.035" units="cm"/>
+      <inkml:brushProperty name="height" value="0.035" units="cm"/>
+      <inkml:brushProperty name="color" value="#E71224"/>
+    </inkml:brush>
+  </inkml:definitions>
+  <inkml:trace contextRef="#ctx0" brushRef="#br0">0 859 24575,'31'0'0,"-1"0"0,1 2 0,-1 2 0,1 1 0,-1 1 0,47 16 0,1 6 0,111 25 0,-186-52 0,1 0 0,0-1 0,0 1 0,0-1 0,0 1 0,0-1 0,0 0 0,0-1 0,0 1 0,0-1 0,0 0 0,-1 0 0,1 0 0,0 0 0,3-2 0,-5 1 0,1 0 0,-1 0 0,0 0 0,-1 0 0,1 0 0,0 0 0,0-1 0,-1 1 0,0 0 0,1-1 0,-1 0 0,0 1 0,0-1 0,0 0 0,-1 1 0,1-1 0,-1 0 0,1 0 0,-1 0 0,0 1 0,0-5 0,-5-181 0,-1 44 0,3 81 0,-2 0 0,-4 0 0,-2 1 0,-2 0 0,-4 1 0,-45-110 0,54 151-1365,3 2-5461</inkml:trace>
 </inkml:ink>
 </file>
 
@@ -500,7 +591,7 @@
           <a:p>
             <a:fld id="{3E81C5DC-0F04-4E6A-BC0A-43476147771C}" type="datetimeFigureOut">
               <a:rPr lang="ko-KR" altLang="en-US" smtClean="0"/>
-              <a:t>2025-07-11</a:t>
+              <a:t>2025-07-13</a:t>
             </a:fld>
             <a:endParaRPr lang="ko-KR" altLang="en-US"/>
           </a:p>
@@ -698,7 +789,7 @@
           <a:p>
             <a:fld id="{3E81C5DC-0F04-4E6A-BC0A-43476147771C}" type="datetimeFigureOut">
               <a:rPr lang="ko-KR" altLang="en-US" smtClean="0"/>
-              <a:t>2025-07-11</a:t>
+              <a:t>2025-07-13</a:t>
             </a:fld>
             <a:endParaRPr lang="ko-KR" altLang="en-US"/>
           </a:p>
@@ -906,7 +997,7 @@
           <a:p>
             <a:fld id="{3E81C5DC-0F04-4E6A-BC0A-43476147771C}" type="datetimeFigureOut">
               <a:rPr lang="ko-KR" altLang="en-US" smtClean="0"/>
-              <a:t>2025-07-11</a:t>
+              <a:t>2025-07-13</a:t>
             </a:fld>
             <a:endParaRPr lang="ko-KR" altLang="en-US"/>
           </a:p>
@@ -1104,7 +1195,7 @@
           <a:p>
             <a:fld id="{3E81C5DC-0F04-4E6A-BC0A-43476147771C}" type="datetimeFigureOut">
               <a:rPr lang="ko-KR" altLang="en-US" smtClean="0"/>
-              <a:t>2025-07-11</a:t>
+              <a:t>2025-07-13</a:t>
             </a:fld>
             <a:endParaRPr lang="ko-KR" altLang="en-US"/>
           </a:p>
@@ -1379,7 +1470,7 @@
           <a:p>
             <a:fld id="{3E81C5DC-0F04-4E6A-BC0A-43476147771C}" type="datetimeFigureOut">
               <a:rPr lang="ko-KR" altLang="en-US" smtClean="0"/>
-              <a:t>2025-07-11</a:t>
+              <a:t>2025-07-13</a:t>
             </a:fld>
             <a:endParaRPr lang="ko-KR" altLang="en-US"/>
           </a:p>
@@ -1644,7 +1735,7 @@
           <a:p>
             <a:fld id="{3E81C5DC-0F04-4E6A-BC0A-43476147771C}" type="datetimeFigureOut">
               <a:rPr lang="ko-KR" altLang="en-US" smtClean="0"/>
-              <a:t>2025-07-11</a:t>
+              <a:t>2025-07-13</a:t>
             </a:fld>
             <a:endParaRPr lang="ko-KR" altLang="en-US"/>
           </a:p>
@@ -2056,7 +2147,7 @@
           <a:p>
             <a:fld id="{3E81C5DC-0F04-4E6A-BC0A-43476147771C}" type="datetimeFigureOut">
               <a:rPr lang="ko-KR" altLang="en-US" smtClean="0"/>
-              <a:t>2025-07-11</a:t>
+              <a:t>2025-07-13</a:t>
             </a:fld>
             <a:endParaRPr lang="ko-KR" altLang="en-US"/>
           </a:p>
@@ -2197,7 +2288,7 @@
           <a:p>
             <a:fld id="{3E81C5DC-0F04-4E6A-BC0A-43476147771C}" type="datetimeFigureOut">
               <a:rPr lang="ko-KR" altLang="en-US" smtClean="0"/>
-              <a:t>2025-07-11</a:t>
+              <a:t>2025-07-13</a:t>
             </a:fld>
             <a:endParaRPr lang="ko-KR" altLang="en-US"/>
           </a:p>
@@ -2310,7 +2401,7 @@
           <a:p>
             <a:fld id="{3E81C5DC-0F04-4E6A-BC0A-43476147771C}" type="datetimeFigureOut">
               <a:rPr lang="ko-KR" altLang="en-US" smtClean="0"/>
-              <a:t>2025-07-11</a:t>
+              <a:t>2025-07-13</a:t>
             </a:fld>
             <a:endParaRPr lang="ko-KR" altLang="en-US"/>
           </a:p>
@@ -2621,7 +2712,7 @@
           <a:p>
             <a:fld id="{3E81C5DC-0F04-4E6A-BC0A-43476147771C}" type="datetimeFigureOut">
               <a:rPr lang="ko-KR" altLang="en-US" smtClean="0"/>
-              <a:t>2025-07-11</a:t>
+              <a:t>2025-07-13</a:t>
             </a:fld>
             <a:endParaRPr lang="ko-KR" altLang="en-US"/>
           </a:p>
@@ -2909,7 +3000,7 @@
           <a:p>
             <a:fld id="{3E81C5DC-0F04-4E6A-BC0A-43476147771C}" type="datetimeFigureOut">
               <a:rPr lang="ko-KR" altLang="en-US" smtClean="0"/>
-              <a:t>2025-07-11</a:t>
+              <a:t>2025-07-13</a:t>
             </a:fld>
             <a:endParaRPr lang="ko-KR" altLang="en-US"/>
           </a:p>
@@ -3150,7 +3241,7 @@
           <a:p>
             <a:fld id="{3E81C5DC-0F04-4E6A-BC0A-43476147771C}" type="datetimeFigureOut">
               <a:rPr lang="ko-KR" altLang="en-US" smtClean="0"/>
-              <a:t>2025-07-11</a:t>
+              <a:t>2025-07-13</a:t>
             </a:fld>
             <a:endParaRPr lang="ko-KR" altLang="en-US"/>
           </a:p>
@@ -3683,8 +3774,8 @@
           </a:p>
         </p:txBody>
       </p:sp>
-      <mc:AlternateContent xmlns:mc="http://schemas.openxmlformats.org/markup-compatibility/2006">
-        <mc:Choice xmlns:p14="http://schemas.microsoft.com/office/powerpoint/2010/main" Requires="p14">
+      <mc:AlternateContent xmlns:mc="http://schemas.openxmlformats.org/markup-compatibility/2006" xmlns:p14="http://schemas.microsoft.com/office/powerpoint/2010/main">
+        <mc:Choice Requires="p14">
           <p:contentPart p14:bwMode="auto" r:id="rId3">
             <p14:nvContentPartPr>
               <p14:cNvPr id="9" name="잉크 8">
@@ -3703,7 +3794,7 @@
             </p14:xfrm>
           </p:contentPart>
         </mc:Choice>
-        <mc:Fallback>
+        <mc:Fallback xmlns="">
           <p:pic>
             <p:nvPicPr>
               <p:cNvPr id="9" name="잉크 8">
@@ -3754,8 +3845,8 @@
             <a:chExt cx="1270440" cy="443520"/>
           </a:xfrm>
         </p:grpSpPr>
-        <mc:AlternateContent xmlns:mc="http://schemas.openxmlformats.org/markup-compatibility/2006">
-          <mc:Choice xmlns:p14="http://schemas.microsoft.com/office/powerpoint/2010/main" Requires="p14">
+        <mc:AlternateContent xmlns:mc="http://schemas.openxmlformats.org/markup-compatibility/2006" xmlns:p14="http://schemas.microsoft.com/office/powerpoint/2010/main">
+          <mc:Choice Requires="p14">
             <p:contentPart p14:bwMode="auto" r:id="rId5">
               <p14:nvContentPartPr>
                 <p14:cNvPr id="11" name="잉크 10">
@@ -3774,7 +3865,7 @@
               </p14:xfrm>
             </p:contentPart>
           </mc:Choice>
-          <mc:Fallback>
+          <mc:Fallback xmlns="">
             <p:pic>
               <p:nvPicPr>
                 <p:cNvPr id="11" name="잉크 10">
@@ -3805,8 +3896,8 @@
             </p:pic>
           </mc:Fallback>
         </mc:AlternateContent>
-        <mc:AlternateContent xmlns:mc="http://schemas.openxmlformats.org/markup-compatibility/2006">
-          <mc:Choice xmlns:p14="http://schemas.microsoft.com/office/powerpoint/2010/main" Requires="p14">
+        <mc:AlternateContent xmlns:mc="http://schemas.openxmlformats.org/markup-compatibility/2006" xmlns:p14="http://schemas.microsoft.com/office/powerpoint/2010/main">
+          <mc:Choice Requires="p14">
             <p:contentPart p14:bwMode="auto" r:id="rId7">
               <p14:nvContentPartPr>
                 <p14:cNvPr id="12" name="잉크 11">
@@ -3825,7 +3916,7 @@
               </p14:xfrm>
             </p:contentPart>
           </mc:Choice>
-          <mc:Fallback>
+          <mc:Fallback xmlns="">
             <p:pic>
               <p:nvPicPr>
                 <p:cNvPr id="12" name="잉크 11">
@@ -4083,8 +4174,8 @@
             <a:chExt cx="1224360" cy="1351800"/>
           </a:xfrm>
         </p:grpSpPr>
-        <mc:AlternateContent xmlns:mc="http://schemas.openxmlformats.org/markup-compatibility/2006">
-          <mc:Choice xmlns:p14="http://schemas.microsoft.com/office/powerpoint/2010/main" Requires="p14">
+        <mc:AlternateContent xmlns:mc="http://schemas.openxmlformats.org/markup-compatibility/2006" xmlns:p14="http://schemas.microsoft.com/office/powerpoint/2010/main">
+          <mc:Choice Requires="p14">
             <p:contentPart p14:bwMode="auto" r:id="rId3">
               <p14:nvContentPartPr>
                 <p14:cNvPr id="11" name="잉크 10">
@@ -4103,7 +4194,7 @@
               </p14:xfrm>
             </p:contentPart>
           </mc:Choice>
-          <mc:Fallback>
+          <mc:Fallback xmlns="">
             <p:pic>
               <p:nvPicPr>
                 <p:cNvPr id="11" name="잉크 10">
@@ -4134,8 +4225,8 @@
             </p:pic>
           </mc:Fallback>
         </mc:AlternateContent>
-        <mc:AlternateContent xmlns:mc="http://schemas.openxmlformats.org/markup-compatibility/2006">
-          <mc:Choice xmlns:p14="http://schemas.microsoft.com/office/powerpoint/2010/main" Requires="p14">
+        <mc:AlternateContent xmlns:mc="http://schemas.openxmlformats.org/markup-compatibility/2006" xmlns:p14="http://schemas.microsoft.com/office/powerpoint/2010/main">
+          <mc:Choice Requires="p14">
             <p:contentPart p14:bwMode="auto" r:id="rId5">
               <p14:nvContentPartPr>
                 <p14:cNvPr id="12" name="잉크 11">
@@ -4154,7 +4245,7 @@
               </p14:xfrm>
             </p:contentPart>
           </mc:Choice>
-          <mc:Fallback>
+          <mc:Fallback xmlns="">
             <p:pic>
               <p:nvPicPr>
                 <p:cNvPr id="12" name="잉크 11">
@@ -4206,8 +4297,8 @@
             <a:chExt cx="2813400" cy="457920"/>
           </a:xfrm>
         </p:grpSpPr>
-        <mc:AlternateContent xmlns:mc="http://schemas.openxmlformats.org/markup-compatibility/2006">
-          <mc:Choice xmlns:p14="http://schemas.microsoft.com/office/powerpoint/2010/main" Requires="p14">
+        <mc:AlternateContent xmlns:mc="http://schemas.openxmlformats.org/markup-compatibility/2006" xmlns:p14="http://schemas.microsoft.com/office/powerpoint/2010/main">
+          <mc:Choice Requires="p14">
             <p:contentPart p14:bwMode="auto" r:id="rId7">
               <p14:nvContentPartPr>
                 <p14:cNvPr id="14" name="잉크 13">
@@ -4226,7 +4317,7 @@
               </p14:xfrm>
             </p:contentPart>
           </mc:Choice>
-          <mc:Fallback>
+          <mc:Fallback xmlns="">
             <p:pic>
               <p:nvPicPr>
                 <p:cNvPr id="14" name="잉크 13">
@@ -4257,8 +4348,8 @@
             </p:pic>
           </mc:Fallback>
         </mc:AlternateContent>
-        <mc:AlternateContent xmlns:mc="http://schemas.openxmlformats.org/markup-compatibility/2006">
-          <mc:Choice xmlns:p14="http://schemas.microsoft.com/office/powerpoint/2010/main" Requires="p14">
+        <mc:AlternateContent xmlns:mc="http://schemas.openxmlformats.org/markup-compatibility/2006" xmlns:p14="http://schemas.microsoft.com/office/powerpoint/2010/main">
+          <mc:Choice Requires="p14">
             <p:contentPart p14:bwMode="auto" r:id="rId9">
               <p14:nvContentPartPr>
                 <p14:cNvPr id="15" name="잉크 14">
@@ -4277,7 +4368,7 @@
               </p14:xfrm>
             </p:contentPart>
           </mc:Choice>
-          <mc:Fallback>
+          <mc:Fallback xmlns="">
             <p:pic>
               <p:nvPicPr>
                 <p:cNvPr id="15" name="잉크 14">
@@ -4329,8 +4420,8 @@
             <a:chExt cx="1136520" cy="561600"/>
           </a:xfrm>
         </p:grpSpPr>
-        <mc:AlternateContent xmlns:mc="http://schemas.openxmlformats.org/markup-compatibility/2006">
-          <mc:Choice xmlns:p14="http://schemas.microsoft.com/office/powerpoint/2010/main" Requires="p14">
+        <mc:AlternateContent xmlns:mc="http://schemas.openxmlformats.org/markup-compatibility/2006" xmlns:p14="http://schemas.microsoft.com/office/powerpoint/2010/main">
+          <mc:Choice Requires="p14">
             <p:contentPart p14:bwMode="auto" r:id="rId11">
               <p14:nvContentPartPr>
                 <p14:cNvPr id="21" name="잉크 20">
@@ -4349,7 +4440,7 @@
               </p14:xfrm>
             </p:contentPart>
           </mc:Choice>
-          <mc:Fallback>
+          <mc:Fallback xmlns="">
             <p:pic>
               <p:nvPicPr>
                 <p:cNvPr id="21" name="잉크 20">
@@ -4380,8 +4471,8 @@
             </p:pic>
           </mc:Fallback>
         </mc:AlternateContent>
-        <mc:AlternateContent xmlns:mc="http://schemas.openxmlformats.org/markup-compatibility/2006">
-          <mc:Choice xmlns:p14="http://schemas.microsoft.com/office/powerpoint/2010/main" Requires="p14">
+        <mc:AlternateContent xmlns:mc="http://schemas.openxmlformats.org/markup-compatibility/2006" xmlns:p14="http://schemas.microsoft.com/office/powerpoint/2010/main">
+          <mc:Choice Requires="p14">
             <p:contentPart p14:bwMode="auto" r:id="rId13">
               <p14:nvContentPartPr>
                 <p14:cNvPr id="22" name="잉크 21">
@@ -4400,7 +4491,7 @@
               </p14:xfrm>
             </p:contentPart>
           </mc:Choice>
-          <mc:Fallback>
+          <mc:Fallback xmlns="">
             <p:pic>
               <p:nvPicPr>
                 <p:cNvPr id="22" name="잉크 21">
@@ -4892,6 +4983,698 @@
     <p:extLst>
       <p:ext uri="{BB962C8B-B14F-4D97-AF65-F5344CB8AC3E}">
         <p14:creationId xmlns:p14="http://schemas.microsoft.com/office/powerpoint/2010/main" val="1897137393"/>
+      </p:ext>
+    </p:extLst>
+  </p:cSld>
+  <p:clrMapOvr>
+    <a:masterClrMapping/>
+  </p:clrMapOvr>
+</p:sld>
+</file>
+
+<file path=ppt/slides/slide5.xml><?xml version="1.0" encoding="utf-8"?>
+<p:sld xmlns:a="http://schemas.openxmlformats.org/drawingml/2006/main" xmlns:r="http://schemas.openxmlformats.org/officeDocument/2006/relationships" xmlns:p="http://schemas.openxmlformats.org/presentationml/2006/main">
+  <p:cSld>
+    <p:spTree>
+      <p:nvGrpSpPr>
+        <p:cNvPr id="1" name=""/>
+        <p:cNvGrpSpPr/>
+        <p:nvPr/>
+      </p:nvGrpSpPr>
+      <p:grpSpPr>
+        <a:xfrm>
+          <a:off x="0" y="0"/>
+          <a:ext cx="0" cy="0"/>
+          <a:chOff x="0" y="0"/>
+          <a:chExt cx="0" cy="0"/>
+        </a:xfrm>
+      </p:grpSpPr>
+      <p:sp>
+        <p:nvSpPr>
+          <p:cNvPr id="2" name="제목 1">
+            <a:extLst>
+              <a:ext uri="{FF2B5EF4-FFF2-40B4-BE49-F238E27FC236}">
+                <a16:creationId xmlns:a16="http://schemas.microsoft.com/office/drawing/2014/main" id="{ED658F55-C801-BAD2-7F34-1ED146258912}"/>
+              </a:ext>
+            </a:extLst>
+          </p:cNvPr>
+          <p:cNvSpPr>
+            <a:spLocks noGrp="1"/>
+          </p:cNvSpPr>
+          <p:nvPr>
+            <p:ph type="title"/>
+          </p:nvPr>
+        </p:nvSpPr>
+        <p:spPr>
+          <a:xfrm>
+            <a:off x="957469" y="-221284"/>
+            <a:ext cx="10515600" cy="1325563"/>
+          </a:xfrm>
+        </p:spPr>
+        <p:txBody>
+          <a:bodyPr/>
+          <a:lstStyle/>
+          <a:p>
+            <a:r>
+              <a:rPr lang="ko-KR" altLang="en-US"/>
+              <a:t>인벤토리 추가기능</a:t>
+            </a:r>
+            <a:r>
+              <a:rPr lang="en-US" altLang="ko-KR"/>
+              <a:t>-</a:t>
+            </a:r>
+            <a:r>
+              <a:rPr lang="ko-KR" altLang="en-US"/>
+              <a:t>슬롯 관리 </a:t>
+            </a:r>
+            <a:r>
+              <a:rPr lang="en-US" altLang="ko-KR"/>
+              <a:t>List</a:t>
+            </a:r>
+            <a:r>
+              <a:rPr lang="ko-KR" altLang="en-US"/>
+              <a:t> </a:t>
+            </a:r>
+          </a:p>
+        </p:txBody>
+      </p:sp>
+      <p:sp>
+        <p:nvSpPr>
+          <p:cNvPr id="3" name="내용 개체 틀 2">
+            <a:extLst>
+              <a:ext uri="{FF2B5EF4-FFF2-40B4-BE49-F238E27FC236}">
+                <a16:creationId xmlns:a16="http://schemas.microsoft.com/office/drawing/2014/main" id="{26C73A4E-0875-FE59-CAA0-2EC192DC1E86}"/>
+              </a:ext>
+            </a:extLst>
+          </p:cNvPr>
+          <p:cNvSpPr>
+            <a:spLocks noGrp="1"/>
+          </p:cNvSpPr>
+          <p:nvPr>
+            <p:ph idx="1"/>
+          </p:nvPr>
+        </p:nvSpPr>
+        <p:spPr>
+          <a:xfrm>
+            <a:off x="838200" y="1022143"/>
+            <a:ext cx="10515600" cy="4813714"/>
+          </a:xfrm>
+        </p:spPr>
+        <p:txBody>
+          <a:bodyPr>
+            <a:normAutofit fontScale="92500"/>
+          </a:bodyPr>
+          <a:lstStyle/>
+          <a:p>
+            <a:r>
+              <a:rPr lang="ko-KR" altLang="en-US"/>
+              <a:t>지금 슬롯들을 한번에 관리하는  </a:t>
+            </a:r>
+            <a:r>
+              <a:rPr lang="en-US" altLang="ko-KR"/>
+              <a:t>List</a:t>
+            </a:r>
+            <a:r>
+              <a:rPr lang="ko-KR" altLang="en-US"/>
+              <a:t>가 없어서</a:t>
+            </a:r>
+            <a:endParaRPr lang="en-US" altLang="ko-KR"/>
+          </a:p>
+          <a:p>
+            <a:endParaRPr lang="en-US" altLang="ko-KR"/>
+          </a:p>
+          <a:p>
+            <a:r>
+              <a:rPr lang="ko-KR" altLang="en-US"/>
+              <a:t>인벤토리 슬롯 최상위 오브젝트에 </a:t>
+            </a:r>
+            <a:r>
+              <a:rPr lang="en-US" altLang="ko-KR"/>
+              <a:t>List&lt;item&gt;</a:t>
+            </a:r>
+            <a:r>
+              <a:rPr lang="ko-KR" altLang="en-US"/>
+              <a:t>만들기</a:t>
+            </a:r>
+            <a:endParaRPr lang="en-US" altLang="ko-KR"/>
+          </a:p>
+          <a:p>
+            <a:endParaRPr lang="en-US" altLang="ko-KR"/>
+          </a:p>
+          <a:p>
+            <a:r>
+              <a:rPr lang="ko-KR" altLang="en-US"/>
+              <a:t>그 후에 </a:t>
+            </a:r>
+            <a:r>
+              <a:rPr lang="en-US" altLang="ko-KR"/>
+              <a:t>GetComponentsInChildren</a:t>
+            </a:r>
+            <a:r>
+              <a:rPr lang="ko-KR" altLang="en-US"/>
+              <a:t>으로 슬롯의 모든 </a:t>
+            </a:r>
+            <a:r>
+              <a:rPr lang="en-US" altLang="ko-KR"/>
+              <a:t>item </a:t>
+            </a:r>
+            <a:r>
+              <a:rPr lang="ko-KR" altLang="en-US"/>
+              <a:t>가져오기</a:t>
+            </a:r>
+            <a:endParaRPr lang="en-US" altLang="ko-KR"/>
+          </a:p>
+          <a:p>
+            <a:endParaRPr lang="en-US" altLang="ko-KR"/>
+          </a:p>
+          <a:p>
+            <a:r>
+              <a:rPr lang="ko-KR" altLang="en-US"/>
+              <a:t>  싱글톤으로 만들면 인벤토리 </a:t>
+            </a:r>
+            <a:r>
+              <a:rPr lang="en-US" altLang="ko-KR">
+                <a:sym typeface="Wingdings" panose="05000000000000000000" pitchFamily="2" charset="2"/>
+              </a:rPr>
+              <a:t>&lt;-&gt;</a:t>
+            </a:r>
+            <a:r>
+              <a:rPr lang="ko-KR" altLang="en-US">
+                <a:sym typeface="Wingdings" panose="05000000000000000000" pitchFamily="2" charset="2"/>
+              </a:rPr>
+              <a:t>장비창 서로 연결이 편해져장착</a:t>
+            </a:r>
+            <a:r>
+              <a:rPr lang="en-US" altLang="ko-KR">
+                <a:sym typeface="Wingdings" panose="05000000000000000000" pitchFamily="2" charset="2"/>
+              </a:rPr>
+              <a:t> </a:t>
+            </a:r>
+            <a:r>
+              <a:rPr lang="ko-KR" altLang="en-US">
+                <a:sym typeface="Wingdings" panose="05000000000000000000" pitchFamily="2" charset="2"/>
+              </a:rPr>
+              <a:t>및 해제 쉬워짐</a:t>
+            </a:r>
+            <a:r>
+              <a:rPr lang="en-US" altLang="ko-KR">
+                <a:sym typeface="Wingdings" panose="05000000000000000000" pitchFamily="2" charset="2"/>
+              </a:rPr>
+              <a:t>( </a:t>
+            </a:r>
+            <a:r>
+              <a:rPr lang="ko-KR" altLang="en-US">
+                <a:sym typeface="Wingdings" panose="05000000000000000000" pitchFamily="2" charset="2"/>
+              </a:rPr>
+              <a:t>미해결</a:t>
+            </a:r>
+            <a:r>
+              <a:rPr lang="en-US" altLang="ko-KR">
+                <a:sym typeface="Wingdings" panose="05000000000000000000" pitchFamily="2" charset="2"/>
+              </a:rPr>
+              <a:t>)</a:t>
+            </a:r>
+          </a:p>
+          <a:p>
+            <a:endParaRPr lang="en-US" altLang="ko-KR">
+              <a:sym typeface="Wingdings" panose="05000000000000000000" pitchFamily="2" charset="2"/>
+            </a:endParaRPr>
+          </a:p>
+          <a:p>
+            <a:r>
+              <a:rPr lang="ko-KR" altLang="en-US">
+                <a:sym typeface="Wingdings" panose="05000000000000000000" pitchFamily="2" charset="2"/>
+              </a:rPr>
+              <a:t>접근을 하기 위해서 </a:t>
+            </a:r>
+            <a:r>
+              <a:rPr lang="en-US" altLang="ko-KR">
+                <a:sym typeface="Wingdings" panose="05000000000000000000" pitchFamily="2" charset="2"/>
+              </a:rPr>
+              <a:t>List&lt;item&gt;</a:t>
+            </a:r>
+            <a:r>
+              <a:rPr lang="ko-KR" altLang="en-US">
+                <a:sym typeface="Wingdings" panose="05000000000000000000" pitchFamily="2" charset="2"/>
+              </a:rPr>
+              <a:t>를 </a:t>
+            </a:r>
+            <a:r>
+              <a:rPr lang="en-US" altLang="ko-KR">
+                <a:sym typeface="Wingdings" panose="05000000000000000000" pitchFamily="2" charset="2"/>
+              </a:rPr>
+              <a:t>static</a:t>
+            </a:r>
+            <a:r>
+              <a:rPr lang="ko-KR" altLang="en-US">
+                <a:sym typeface="Wingdings" panose="05000000000000000000" pitchFamily="2" charset="2"/>
+              </a:rPr>
+              <a:t>으로 선언했음</a:t>
+            </a:r>
+            <a:endParaRPr lang="en-US" altLang="ko-KR">
+              <a:sym typeface="Wingdings" panose="05000000000000000000" pitchFamily="2" charset="2"/>
+            </a:endParaRPr>
+          </a:p>
+          <a:p>
+            <a:endParaRPr lang="en-US" altLang="ko-KR">
+              <a:sym typeface="Wingdings" panose="05000000000000000000" pitchFamily="2" charset="2"/>
+            </a:endParaRPr>
+          </a:p>
+          <a:p>
+            <a:endParaRPr lang="en-US" altLang="ko-KR">
+              <a:sym typeface="Wingdings" panose="05000000000000000000" pitchFamily="2" charset="2"/>
+            </a:endParaRPr>
+          </a:p>
+          <a:p>
+            <a:endParaRPr lang="en-US" altLang="ko-KR">
+              <a:sym typeface="Wingdings" panose="05000000000000000000" pitchFamily="2" charset="2"/>
+            </a:endParaRPr>
+          </a:p>
+        </p:txBody>
+      </p:sp>
+    </p:spTree>
+    <p:extLst>
+      <p:ext uri="{BB962C8B-B14F-4D97-AF65-F5344CB8AC3E}">
+        <p14:creationId xmlns:p14="http://schemas.microsoft.com/office/powerpoint/2010/main" val="2568344668"/>
+      </p:ext>
+    </p:extLst>
+  </p:cSld>
+  <p:clrMapOvr>
+    <a:masterClrMapping/>
+  </p:clrMapOvr>
+</p:sld>
+</file>
+
+<file path=ppt/slides/slide6.xml><?xml version="1.0" encoding="utf-8"?>
+<p:sld xmlns:a="http://schemas.openxmlformats.org/drawingml/2006/main" xmlns:r="http://schemas.openxmlformats.org/officeDocument/2006/relationships" xmlns:p="http://schemas.openxmlformats.org/presentationml/2006/main">
+  <p:cSld>
+    <p:spTree>
+      <p:nvGrpSpPr>
+        <p:cNvPr id="1" name=""/>
+        <p:cNvGrpSpPr/>
+        <p:nvPr/>
+      </p:nvGrpSpPr>
+      <p:grpSpPr>
+        <a:xfrm>
+          <a:off x="0" y="0"/>
+          <a:ext cx="0" cy="0"/>
+          <a:chOff x="0" y="0"/>
+          <a:chExt cx="0" cy="0"/>
+        </a:xfrm>
+      </p:grpSpPr>
+      <p:sp>
+        <p:nvSpPr>
+          <p:cNvPr id="2" name="제목 1">
+            <a:extLst>
+              <a:ext uri="{FF2B5EF4-FFF2-40B4-BE49-F238E27FC236}">
+                <a16:creationId xmlns:a16="http://schemas.microsoft.com/office/drawing/2014/main" id="{BAC5D352-F661-9E4A-1589-B0F83B879AC7}"/>
+              </a:ext>
+            </a:extLst>
+          </p:cNvPr>
+          <p:cNvSpPr>
+            <a:spLocks noGrp="1"/>
+          </p:cNvSpPr>
+          <p:nvPr>
+            <p:ph type="title"/>
+          </p:nvPr>
+        </p:nvSpPr>
+        <p:spPr/>
+        <p:txBody>
+          <a:bodyPr/>
+          <a:lstStyle/>
+          <a:p>
+            <a:r>
+              <a:rPr lang="en-US" altLang="ko-KR"/>
+              <a:t> </a:t>
+            </a:r>
+            <a:r>
+              <a:rPr lang="ko-KR" altLang="en-US"/>
+              <a:t>장비창 구조 </a:t>
+            </a:r>
+          </a:p>
+        </p:txBody>
+      </p:sp>
+      <p:pic>
+        <p:nvPicPr>
+          <p:cNvPr id="5" name="내용 개체 틀 4">
+            <a:extLst>
+              <a:ext uri="{FF2B5EF4-FFF2-40B4-BE49-F238E27FC236}">
+                <a16:creationId xmlns:a16="http://schemas.microsoft.com/office/drawing/2014/main" id="{968B93D0-E16B-5DE3-3A19-37AC2B238928}"/>
+              </a:ext>
+            </a:extLst>
+          </p:cNvPr>
+          <p:cNvPicPr>
+            <a:picLocks noGrp="1" noChangeAspect="1"/>
+          </p:cNvPicPr>
+          <p:nvPr>
+            <p:ph idx="1"/>
+          </p:nvPr>
+        </p:nvPicPr>
+        <p:blipFill>
+          <a:blip r:embed="rId2"/>
+          <a:stretch>
+            <a:fillRect/>
+          </a:stretch>
+        </p:blipFill>
+        <p:spPr>
+          <a:xfrm>
+            <a:off x="5631781" y="180158"/>
+            <a:ext cx="2657846" cy="2314898"/>
+          </a:xfrm>
+        </p:spPr>
+      </p:pic>
+      <p:sp>
+        <p:nvSpPr>
+          <p:cNvPr id="6" name="TextBox 5">
+            <a:extLst>
+              <a:ext uri="{FF2B5EF4-FFF2-40B4-BE49-F238E27FC236}">
+                <a16:creationId xmlns:a16="http://schemas.microsoft.com/office/drawing/2014/main" id="{3C4137B5-FEB0-EC1A-157E-91874F3BE650}"/>
+              </a:ext>
+            </a:extLst>
+          </p:cNvPr>
+          <p:cNvSpPr txBox="1"/>
+          <p:nvPr/>
+        </p:nvSpPr>
+        <p:spPr>
+          <a:xfrm>
+            <a:off x="102986" y="2898684"/>
+            <a:ext cx="7872184" cy="2585323"/>
+          </a:xfrm>
+          <a:prstGeom prst="rect">
+            <a:avLst/>
+          </a:prstGeom>
+          <a:noFill/>
+        </p:spPr>
+        <p:txBody>
+          <a:bodyPr wrap="square" rtlCol="0">
+            <a:spAutoFit/>
+          </a:bodyPr>
+          <a:lstStyle/>
+          <a:p>
+            <a:r>
+              <a:rPr lang="ko-KR" altLang="en-US"/>
+              <a:t>장비창과 인벤토리 접근 </a:t>
+            </a:r>
+            <a:r>
+              <a:rPr lang="en-US" altLang="ko-KR"/>
+              <a:t>(</a:t>
+            </a:r>
+            <a:r>
+              <a:rPr lang="ko-KR" altLang="en-US"/>
+              <a:t>연결</a:t>
+            </a:r>
+            <a:r>
+              <a:rPr lang="en-US" altLang="ko-KR"/>
+              <a:t>)</a:t>
+            </a:r>
+            <a:r>
+              <a:rPr lang="ko-KR" altLang="en-US"/>
+              <a:t>을  싱글톤으로 하면 서로 연결하기 쉬워서</a:t>
+            </a:r>
+            <a:endParaRPr lang="en-US" altLang="ko-KR"/>
+          </a:p>
+          <a:p>
+            <a:endParaRPr lang="en-US" altLang="ko-KR"/>
+          </a:p>
+          <a:p>
+            <a:r>
+              <a:rPr lang="en-US" altLang="ko-KR"/>
+              <a:t>**</a:t>
+            </a:r>
+            <a:r>
+              <a:rPr lang="ko-KR" altLang="en-US"/>
+              <a:t>구현</a:t>
+            </a:r>
+            <a:r>
+              <a:rPr lang="en-US" altLang="ko-KR"/>
+              <a:t>**</a:t>
+            </a:r>
+          </a:p>
+          <a:p>
+            <a:r>
+              <a:rPr lang="ko-KR" altLang="en-US"/>
+              <a:t>아이템 창 슬롯을 만들 때 이미지 오브젝트에 </a:t>
+            </a:r>
+            <a:r>
+              <a:rPr lang="en-US" altLang="ko-KR"/>
+              <a:t>item </a:t>
+            </a:r>
+            <a:r>
+              <a:rPr lang="ko-KR" altLang="en-US"/>
+              <a:t>스크립트를 붙여 </a:t>
+            </a:r>
+            <a:r>
+              <a:rPr lang="en-US" altLang="ko-KR"/>
+              <a:t>(</a:t>
+            </a:r>
+            <a:r>
+              <a:rPr lang="ko-KR" altLang="en-US"/>
+              <a:t>장비타입의 무기인지 모자인지 를 설정한다</a:t>
+            </a:r>
+            <a:r>
+              <a:rPr lang="en-US" altLang="ko-KR"/>
+              <a:t>.)</a:t>
+            </a:r>
+          </a:p>
+          <a:p>
+            <a:endParaRPr lang="en-US" altLang="ko-KR"/>
+          </a:p>
+          <a:p>
+            <a:r>
+              <a:rPr lang="en-US" altLang="ko-KR"/>
+              <a:t>2.</a:t>
+            </a:r>
+            <a:r>
+              <a:rPr lang="ko-KR" altLang="en-US"/>
+              <a:t>슬롯설정을 했으면 인벤토리에서 더블 클릭 했을 때</a:t>
+            </a:r>
+            <a:endParaRPr lang="en-US" altLang="ko-KR"/>
+          </a:p>
+          <a:p>
+            <a:r>
+              <a:rPr lang="ko-KR" altLang="en-US"/>
+              <a:t>장비면 장비창에서 무기인지 방어구인지 타입을 비교해서  타입에 맞는 슬롯에 셋팅되게 코드 설정한다</a:t>
+            </a:r>
+            <a:r>
+              <a:rPr lang="en-US" altLang="ko-KR"/>
+              <a:t>.</a:t>
+            </a:r>
+            <a:r>
+              <a:rPr lang="ko-KR" altLang="en-US"/>
+              <a:t>  </a:t>
+            </a:r>
+            <a:endParaRPr lang="en-US" altLang="ko-KR"/>
+          </a:p>
+        </p:txBody>
+      </p:sp>
+      <p:pic>
+        <p:nvPicPr>
+          <p:cNvPr id="8" name="그림 7">
+            <a:extLst>
+              <a:ext uri="{FF2B5EF4-FFF2-40B4-BE49-F238E27FC236}">
+                <a16:creationId xmlns:a16="http://schemas.microsoft.com/office/drawing/2014/main" id="{1FC39C7C-B38D-6CE1-9788-82F5A8FC745E}"/>
+              </a:ext>
+            </a:extLst>
+          </p:cNvPr>
+          <p:cNvPicPr>
+            <a:picLocks noChangeAspect="1"/>
+          </p:cNvPicPr>
+          <p:nvPr/>
+        </p:nvPicPr>
+        <p:blipFill>
+          <a:blip r:embed="rId3"/>
+          <a:stretch>
+            <a:fillRect/>
+          </a:stretch>
+        </p:blipFill>
+        <p:spPr>
+          <a:xfrm>
+            <a:off x="8699172" y="2782574"/>
+            <a:ext cx="3343742" cy="2505425"/>
+          </a:xfrm>
+          <a:prstGeom prst="rect">
+            <a:avLst/>
+          </a:prstGeom>
+        </p:spPr>
+      </p:pic>
+      <p:grpSp>
+        <p:nvGrpSpPr>
+          <p:cNvPr id="12" name="그룹 11">
+            <a:extLst>
+              <a:ext uri="{FF2B5EF4-FFF2-40B4-BE49-F238E27FC236}">
+                <a16:creationId xmlns:a16="http://schemas.microsoft.com/office/drawing/2014/main" id="{47440B5C-6F9C-B947-E8F5-ECBC4D4B2EF3}"/>
+              </a:ext>
+            </a:extLst>
+          </p:cNvPr>
+          <p:cNvGrpSpPr/>
+          <p:nvPr/>
+        </p:nvGrpSpPr>
+        <p:grpSpPr>
+          <a:xfrm>
+            <a:off x="7315184" y="3527045"/>
+            <a:ext cx="1335960" cy="457560"/>
+            <a:chOff x="7315184" y="3527045"/>
+            <a:chExt cx="1335960" cy="457560"/>
+          </a:xfrm>
+        </p:grpSpPr>
+        <mc:AlternateContent xmlns:mc="http://schemas.openxmlformats.org/markup-compatibility/2006">
+          <mc:Choice xmlns:p14="http://schemas.microsoft.com/office/powerpoint/2010/main" Requires="p14">
+            <p:contentPart p14:bwMode="auto" r:id="rId4">
+              <p14:nvContentPartPr>
+                <p14:cNvPr id="9" name="잉크 8">
+                  <a:extLst>
+                    <a:ext uri="{FF2B5EF4-FFF2-40B4-BE49-F238E27FC236}">
+                      <a16:creationId xmlns:a16="http://schemas.microsoft.com/office/drawing/2014/main" id="{2361A9AE-B17D-7BC4-6B52-76517964D324}"/>
+                    </a:ext>
+                  </a:extLst>
+                </p14:cNvPr>
+                <p14:cNvContentPartPr/>
+                <p14:nvPr/>
+              </p14:nvContentPartPr>
+              <p14:xfrm>
+                <a:off x="7315184" y="3607685"/>
+                <a:ext cx="477720" cy="376920"/>
+              </p14:xfrm>
+            </p:contentPart>
+          </mc:Choice>
+          <mc:Fallback>
+            <p:pic>
+              <p:nvPicPr>
+                <p:cNvPr id="9" name="잉크 8">
+                  <a:extLst>
+                    <a:ext uri="{FF2B5EF4-FFF2-40B4-BE49-F238E27FC236}">
+                      <a16:creationId xmlns:a16="http://schemas.microsoft.com/office/drawing/2014/main" id="{2361A9AE-B17D-7BC4-6B52-76517964D324}"/>
+                    </a:ext>
+                  </a:extLst>
+                </p:cNvPr>
+                <p:cNvPicPr/>
+                <p:nvPr/>
+              </p:nvPicPr>
+              <p:blipFill>
+                <a:blip r:embed="rId5"/>
+                <a:stretch>
+                  <a:fillRect/>
+                </a:stretch>
+              </p:blipFill>
+              <p:spPr>
+                <a:xfrm>
+                  <a:off x="7309064" y="3601565"/>
+                  <a:ext cx="489960" cy="389160"/>
+                </a:xfrm>
+                <a:prstGeom prst="rect">
+                  <a:avLst/>
+                </a:prstGeom>
+              </p:spPr>
+            </p:pic>
+          </mc:Fallback>
+        </mc:AlternateContent>
+        <mc:AlternateContent xmlns:mc="http://schemas.openxmlformats.org/markup-compatibility/2006">
+          <mc:Choice xmlns:p14="http://schemas.microsoft.com/office/powerpoint/2010/main" Requires="p14">
+            <p:contentPart p14:bwMode="auto" r:id="rId6">
+              <p14:nvContentPartPr>
+                <p14:cNvPr id="10" name="잉크 9">
+                  <a:extLst>
+                    <a:ext uri="{FF2B5EF4-FFF2-40B4-BE49-F238E27FC236}">
+                      <a16:creationId xmlns:a16="http://schemas.microsoft.com/office/drawing/2014/main" id="{ECC60078-EE10-9E57-7F07-CF74BBDE06FB}"/>
+                    </a:ext>
+                  </a:extLst>
+                </p14:cNvPr>
+                <p14:cNvContentPartPr/>
+                <p14:nvPr/>
+              </p14:nvContentPartPr>
+              <p14:xfrm>
+                <a:off x="7782104" y="3647645"/>
+                <a:ext cx="747360" cy="94680"/>
+              </p14:xfrm>
+            </p:contentPart>
+          </mc:Choice>
+          <mc:Fallback>
+            <p:pic>
+              <p:nvPicPr>
+                <p:cNvPr id="10" name="잉크 9">
+                  <a:extLst>
+                    <a:ext uri="{FF2B5EF4-FFF2-40B4-BE49-F238E27FC236}">
+                      <a16:creationId xmlns:a16="http://schemas.microsoft.com/office/drawing/2014/main" id="{ECC60078-EE10-9E57-7F07-CF74BBDE06FB}"/>
+                    </a:ext>
+                  </a:extLst>
+                </p:cNvPr>
+                <p:cNvPicPr/>
+                <p:nvPr/>
+              </p:nvPicPr>
+              <p:blipFill>
+                <a:blip r:embed="rId7"/>
+                <a:stretch>
+                  <a:fillRect/>
+                </a:stretch>
+              </p:blipFill>
+              <p:spPr>
+                <a:xfrm>
+                  <a:off x="7775984" y="3641525"/>
+                  <a:ext cx="759600" cy="106920"/>
+                </a:xfrm>
+                <a:prstGeom prst="rect">
+                  <a:avLst/>
+                </a:prstGeom>
+              </p:spPr>
+            </p:pic>
+          </mc:Fallback>
+        </mc:AlternateContent>
+        <mc:AlternateContent xmlns:mc="http://schemas.openxmlformats.org/markup-compatibility/2006">
+          <mc:Choice xmlns:p14="http://schemas.microsoft.com/office/powerpoint/2010/main" Requires="p14">
+            <p:contentPart p14:bwMode="auto" r:id="rId8">
+              <p14:nvContentPartPr>
+                <p14:cNvPr id="11" name="잉크 10">
+                  <a:extLst>
+                    <a:ext uri="{FF2B5EF4-FFF2-40B4-BE49-F238E27FC236}">
+                      <a16:creationId xmlns:a16="http://schemas.microsoft.com/office/drawing/2014/main" id="{DF5FF750-05F8-3AAE-C203-B0665B22C7B6}"/>
+                    </a:ext>
+                  </a:extLst>
+                </p14:cNvPr>
+                <p14:cNvContentPartPr/>
+                <p14:nvPr/>
+              </p14:nvContentPartPr>
+              <p14:xfrm>
+                <a:off x="8428304" y="3527045"/>
+                <a:ext cx="222840" cy="353880"/>
+              </p14:xfrm>
+            </p:contentPart>
+          </mc:Choice>
+          <mc:Fallback>
+            <p:pic>
+              <p:nvPicPr>
+                <p:cNvPr id="11" name="잉크 10">
+                  <a:extLst>
+                    <a:ext uri="{FF2B5EF4-FFF2-40B4-BE49-F238E27FC236}">
+                      <a16:creationId xmlns:a16="http://schemas.microsoft.com/office/drawing/2014/main" id="{DF5FF750-05F8-3AAE-C203-B0665B22C7B6}"/>
+                    </a:ext>
+                  </a:extLst>
+                </p:cNvPr>
+                <p:cNvPicPr/>
+                <p:nvPr/>
+              </p:nvPicPr>
+              <p:blipFill>
+                <a:blip r:embed="rId9"/>
+                <a:stretch>
+                  <a:fillRect/>
+                </a:stretch>
+              </p:blipFill>
+              <p:spPr>
+                <a:xfrm>
+                  <a:off x="8422184" y="3520925"/>
+                  <a:ext cx="235080" cy="366120"/>
+                </a:xfrm>
+                <a:prstGeom prst="rect">
+                  <a:avLst/>
+                </a:prstGeom>
+              </p:spPr>
+            </p:pic>
+          </mc:Fallback>
+        </mc:AlternateContent>
+      </p:grpSp>
+    </p:spTree>
+    <p:extLst>
+      <p:ext uri="{BB962C8B-B14F-4D97-AF65-F5344CB8AC3E}">
+        <p14:creationId xmlns:p14="http://schemas.microsoft.com/office/powerpoint/2010/main" val="2553533755"/>
       </p:ext>
     </p:extLst>
   </p:cSld>

--- a/인벤토리구조.pptx
+++ b/인벤토리구조.pptx
@@ -10,7 +10,8 @@
     <p:sldId id="258" r:id="rId4"/>
     <p:sldId id="259" r:id="rId5"/>
     <p:sldId id="261" r:id="rId6"/>
-    <p:sldId id="260" r:id="rId7"/>
+    <p:sldId id="262" r:id="rId7"/>
+    <p:sldId id="263" r:id="rId8"/>
   </p:sldIdLst>
   <p:sldSz cx="12192000" cy="6858000"/>
   <p:notesSz cx="6858000" cy="9144000"/>
@@ -160,7 +161,7 @@
           <inkml:channelProperty channel="F" name="resolution" value="0" units="1/dev"/>
         </inkml:channelProperties>
       </inkml:inkSource>
-      <inkml:timestamp xml:id="ts0" timeString="2025-07-13T08:39:56.367"/>
+      <inkml:timestamp xml:id="ts0" timeString="2025-07-14T03:23:13.073"/>
     </inkml:context>
     <inkml:brush xml:id="br0">
       <inkml:brushProperty name="width" value="0.035" units="cm"/>
@@ -168,7 +169,7 @@
       <inkml:brushProperty name="color" value="#E71224"/>
     </inkml:brush>
   </inkml:definitions>
-  <inkml:trace contextRef="#ctx0" brushRef="#br0">0 1 24575,'30'0'0,"0"2"0,0 2 0,-1 0 0,0 2 0,0 1 0,47 19 0,203 69 0,-17-7 0,-224-74 0,-13-6 0,0 2 0,-1 0 0,0 2 0,35 22 0,-11-1 0,-22-16 0,-1 1 0,-1 1 0,25 25 0,-30-23 0,-1 2 0,-1 0 0,-1 1 0,-1 1 0,21 48 0,-26-42 0,-1 1 0,-2 0 0,5 53 0,-11-76 0,3 43-236,-2 62-1,-3-87-655,1-3-5934</inkml:trace>
+  <inkml:trace contextRef="#ctx0" brushRef="#br0">261 1 24575,'1'4'0,"0"1"0,0 0 0,1-1 0,-1 1 0,1-1 0,0 1 0,0-1 0,1 0 0,0 0 0,-1 0 0,6 6 0,2 4 0,175 225 0,-48-65 0,-123-153 0,-1 1 0,-1 0 0,-1 1 0,-1 0 0,-1 0 0,-1 1 0,-1 0 0,-1 1 0,4 40 0,-2 21 0,-5 125 0,-4-139 0,1-32 0,-7 160 0,4-168 0,-2 0 0,-1-1 0,-1 0 0,-16 39 0,-62 126 0,46-112 0,-42 131 0,76-199 0,-1 0 0,0 0 0,-1 0 0,0 0 0,-1-1 0,-1-1 0,0 0 0,-2 0 0,1 0 0,-1-1 0,-1-1 0,0 0 0,-23 16 0,-15 19 0,40-37 0,1 0 0,-1-1 0,0 0 0,-1-1 0,0 0 0,-1-1 0,-20 11 0,-19 4 0,34-14 0,0-1 0,0 0 0,-1-2 0,-29 7 0,42-14-1365,9-4-5461</inkml:trace>
 </inkml:ink>
 </file>
 
@@ -188,7 +189,7 @@
           <inkml:channelProperty channel="F" name="resolution" value="0" units="1/dev"/>
         </inkml:channelProperties>
       </inkml:inkSource>
-      <inkml:timestamp xml:id="ts0" timeString="2025-07-13T08:39:57.309"/>
+      <inkml:timestamp xml:id="ts0" timeString="2025-07-14T03:23:14.832"/>
     </inkml:context>
     <inkml:brush xml:id="br0">
       <inkml:brushProperty name="width" value="0.035" units="cm"/>
@@ -196,7 +197,7 @@
       <inkml:brushProperty name="color" value="#E71224"/>
     </inkml:brush>
   </inkml:definitions>
-  <inkml:trace contextRef="#ctx0" brushRef="#br0">1 193 24575,'27'-1'0,"1"-2"0,0-2 0,50-13 0,-15 2 0,552-102 0,-485 101 0,1 5 0,234 9 0,-333 7 8,-1 1 0,0 1 0,0 1 0,-1 2-1,58 25 1,139 86-265,-114-57-898,-87-49-5671</inkml:trace>
+  <inkml:trace contextRef="#ctx0" brushRef="#br0">1 0 24575,'0'2'0,"1"-1"0,0 0 0,0 1 0,1-1 0,-1 0 0,0 1 0,0-1 0,1 0 0,-1 0 0,0 0 0,1 0 0,-1 0 0,1-1 0,-1 1 0,1 0 0,0-1 0,-1 1 0,3 0 0,3 1 0,31 13 0,0-1 0,2-3 0,69 12 0,130 3 0,-216-24 0,672 28-197,5-30-103,-367-2 246,1242 45 54,-416-2-20,0-42 45,-472-3 62,1190 4 372,-1829 0-732,0-3 0,0-1 0,0-3 0,61-16 0,-84 15-6553</inkml:trace>
 </inkml:ink>
 </file>
 
@@ -216,7 +217,7 @@
           <inkml:channelProperty channel="F" name="resolution" value="0" units="1/dev"/>
         </inkml:channelProperties>
       </inkml:inkSource>
-      <inkml:timestamp xml:id="ts0" timeString="2025-07-13T08:39:58.680"/>
+      <inkml:timestamp xml:id="ts0" timeString="2025-07-14T03:23:17.785"/>
     </inkml:context>
     <inkml:brush xml:id="br0">
       <inkml:brushProperty name="width" value="0.035" units="cm"/>
@@ -224,7 +225,7 @@
       <inkml:brushProperty name="color" value="#E71224"/>
     </inkml:brush>
   </inkml:definitions>
-  <inkml:trace contextRef="#ctx0" brushRef="#br0">0 859 24575,'31'0'0,"-1"0"0,1 2 0,-1 2 0,1 1 0,-1 1 0,47 16 0,1 6 0,111 25 0,-186-52 0,1 0 0,0-1 0,0 1 0,0-1 0,0 1 0,0-1 0,0 0 0,0-1 0,0 1 0,0-1 0,0 0 0,-1 0 0,1 0 0,0 0 0,3-2 0,-5 1 0,1 0 0,-1 0 0,0 0 0,-1 0 0,1 0 0,0 0 0,0-1 0,-1 1 0,0 0 0,1-1 0,-1 0 0,0 1 0,0-1 0,0 0 0,-1 1 0,1-1 0,-1 0 0,1 0 0,-1 0 0,0 1 0,0-5 0,-5-181 0,-1 44 0,3 81 0,-2 0 0,-4 0 0,-2 1 0,-2 0 0,-4 1 0,-45-110 0,54 151-1365,3 2-5461</inkml:trace>
+  <inkml:trace contextRef="#ctx0" brushRef="#br0">1 1688 24575,'0'-28'0,"1"0"0,1-1 0,2 1 0,1 0 0,1 1 0,1-1 0,2 1 0,0 0 0,2 1 0,22-38 0,-8 23 0,2 1 0,1 1 0,3 2 0,65-63 0,-43 54 0,1 2 0,105-64 0,10 17 0,270-104 0,-329 150 0,4-2 0,446-174 0,-431 178 0,2 6 0,195-30 0,831-60 0,-33 108 0,-712 22 0,-184 1 0,312 47 0,22 37 0,590 75 0,135 2 0,-948-92 0,-9-1 0,47-15 0,-181-28 0,-111-15 0,0 5 0,-1 3 0,109 44 0,-167-54 0,-1 1 0,0 1 0,-1 1 0,25 20 0,82 80 0,-91-79 0,37 36 0,-3 3 0,-3 3 0,-3 3 0,-5 4 0,-3 2 0,58 111 0,-53-78 0,-9-16 0,48 121 0,-96-203 0,-2 0 0,-1 0 0,-1 1 0,0-1 0,0 34 0,-9 115 0,3-149 0,-2 11 0,-1 0 0,-2 0 0,-1 0 0,-1-1 0,-2 0 0,-2-1 0,0-1 0,-27 44 0,-21 23 0,-82 97 0,130-177 0,-90 104 0,-155 142 0,190-199 0,-3-3 0,-3-3 0,-148 89 0,197-135 0,0 0 0,-1-2 0,-1-1 0,0-1 0,0-1 0,0-1 0,-37 2 0,-199-3 0,163-7 0,-324-31 0,219 12 0,112 12 0,-275-13 0,321 18-1365,31-2-5461</inkml:trace>
 </inkml:ink>
 </file>
 
@@ -591,7 +592,7 @@
           <a:p>
             <a:fld id="{3E81C5DC-0F04-4E6A-BC0A-43476147771C}" type="datetimeFigureOut">
               <a:rPr lang="ko-KR" altLang="en-US" smtClean="0"/>
-              <a:t>2025-07-13</a:t>
+              <a:t>2025-07-14</a:t>
             </a:fld>
             <a:endParaRPr lang="ko-KR" altLang="en-US"/>
           </a:p>
@@ -789,7 +790,7 @@
           <a:p>
             <a:fld id="{3E81C5DC-0F04-4E6A-BC0A-43476147771C}" type="datetimeFigureOut">
               <a:rPr lang="ko-KR" altLang="en-US" smtClean="0"/>
-              <a:t>2025-07-13</a:t>
+              <a:t>2025-07-14</a:t>
             </a:fld>
             <a:endParaRPr lang="ko-KR" altLang="en-US"/>
           </a:p>
@@ -997,7 +998,7 @@
           <a:p>
             <a:fld id="{3E81C5DC-0F04-4E6A-BC0A-43476147771C}" type="datetimeFigureOut">
               <a:rPr lang="ko-KR" altLang="en-US" smtClean="0"/>
-              <a:t>2025-07-13</a:t>
+              <a:t>2025-07-14</a:t>
             </a:fld>
             <a:endParaRPr lang="ko-KR" altLang="en-US"/>
           </a:p>
@@ -1195,7 +1196,7 @@
           <a:p>
             <a:fld id="{3E81C5DC-0F04-4E6A-BC0A-43476147771C}" type="datetimeFigureOut">
               <a:rPr lang="ko-KR" altLang="en-US" smtClean="0"/>
-              <a:t>2025-07-13</a:t>
+              <a:t>2025-07-14</a:t>
             </a:fld>
             <a:endParaRPr lang="ko-KR" altLang="en-US"/>
           </a:p>
@@ -1470,7 +1471,7 @@
           <a:p>
             <a:fld id="{3E81C5DC-0F04-4E6A-BC0A-43476147771C}" type="datetimeFigureOut">
               <a:rPr lang="ko-KR" altLang="en-US" smtClean="0"/>
-              <a:t>2025-07-13</a:t>
+              <a:t>2025-07-14</a:t>
             </a:fld>
             <a:endParaRPr lang="ko-KR" altLang="en-US"/>
           </a:p>
@@ -1735,7 +1736,7 @@
           <a:p>
             <a:fld id="{3E81C5DC-0F04-4E6A-BC0A-43476147771C}" type="datetimeFigureOut">
               <a:rPr lang="ko-KR" altLang="en-US" smtClean="0"/>
-              <a:t>2025-07-13</a:t>
+              <a:t>2025-07-14</a:t>
             </a:fld>
             <a:endParaRPr lang="ko-KR" altLang="en-US"/>
           </a:p>
@@ -2147,7 +2148,7 @@
           <a:p>
             <a:fld id="{3E81C5DC-0F04-4E6A-BC0A-43476147771C}" type="datetimeFigureOut">
               <a:rPr lang="ko-KR" altLang="en-US" smtClean="0"/>
-              <a:t>2025-07-13</a:t>
+              <a:t>2025-07-14</a:t>
             </a:fld>
             <a:endParaRPr lang="ko-KR" altLang="en-US"/>
           </a:p>
@@ -2288,7 +2289,7 @@
           <a:p>
             <a:fld id="{3E81C5DC-0F04-4E6A-BC0A-43476147771C}" type="datetimeFigureOut">
               <a:rPr lang="ko-KR" altLang="en-US" smtClean="0"/>
-              <a:t>2025-07-13</a:t>
+              <a:t>2025-07-14</a:t>
             </a:fld>
             <a:endParaRPr lang="ko-KR" altLang="en-US"/>
           </a:p>
@@ -2401,7 +2402,7 @@
           <a:p>
             <a:fld id="{3E81C5DC-0F04-4E6A-BC0A-43476147771C}" type="datetimeFigureOut">
               <a:rPr lang="ko-KR" altLang="en-US" smtClean="0"/>
-              <a:t>2025-07-13</a:t>
+              <a:t>2025-07-14</a:t>
             </a:fld>
             <a:endParaRPr lang="ko-KR" altLang="en-US"/>
           </a:p>
@@ -2712,7 +2713,7 @@
           <a:p>
             <a:fld id="{3E81C5DC-0F04-4E6A-BC0A-43476147771C}" type="datetimeFigureOut">
               <a:rPr lang="ko-KR" altLang="en-US" smtClean="0"/>
-              <a:t>2025-07-13</a:t>
+              <a:t>2025-07-14</a:t>
             </a:fld>
             <a:endParaRPr lang="ko-KR" altLang="en-US"/>
           </a:p>
@@ -3000,7 +3001,7 @@
           <a:p>
             <a:fld id="{3E81C5DC-0F04-4E6A-BC0A-43476147771C}" type="datetimeFigureOut">
               <a:rPr lang="ko-KR" altLang="en-US" smtClean="0"/>
-              <a:t>2025-07-13</a:t>
+              <a:t>2025-07-14</a:t>
             </a:fld>
             <a:endParaRPr lang="ko-KR" altLang="en-US"/>
           </a:p>
@@ -3241,7 +3242,7 @@
           <a:p>
             <a:fld id="{3E81C5DC-0F04-4E6A-BC0A-43476147771C}" type="datetimeFigureOut">
               <a:rPr lang="ko-KR" altLang="en-US" smtClean="0"/>
-              <a:t>2025-07-13</a:t>
+              <a:t>2025-07-14</a:t>
             </a:fld>
             <a:endParaRPr lang="ko-KR" altLang="en-US"/>
           </a:p>
@@ -5082,7 +5083,7 @@
         </p:spPr>
         <p:txBody>
           <a:bodyPr>
-            <a:normAutofit fontScale="92500"/>
+            <a:normAutofit fontScale="92500" lnSpcReduction="10000"/>
           </a:bodyPr>
           <a:lstStyle/>
           <a:p>
@@ -5205,7 +5206,7 @@
               <a:rPr lang="ko-KR" altLang="en-US">
                 <a:sym typeface="Wingdings" panose="05000000000000000000" pitchFamily="2" charset="2"/>
               </a:rPr>
-              <a:t>접근을 하기 위해서 </a:t>
+              <a:t>싱글톤 문제 생겨서 접근을 하기 위해서 </a:t>
             </a:r>
             <a:r>
               <a:rPr lang="en-US" altLang="ko-KR">
@@ -5287,7 +5288,7 @@
           <p:cNvPr id="2" name="제목 1">
             <a:extLst>
               <a:ext uri="{FF2B5EF4-FFF2-40B4-BE49-F238E27FC236}">
-                <a16:creationId xmlns:a16="http://schemas.microsoft.com/office/drawing/2014/main" id="{BAC5D352-F661-9E4A-1589-B0F83B879AC7}"/>
+                <a16:creationId xmlns:a16="http://schemas.microsoft.com/office/drawing/2014/main" id="{3E3B2E4E-310A-ADD7-03EF-0E89EA5A5118}"/>
               </a:ext>
             </a:extLst>
           </p:cNvPr>
@@ -5304,31 +5305,136 @@
           <a:lstStyle/>
           <a:p>
             <a:r>
+              <a:rPr lang="ko-KR" altLang="en-US"/>
+              <a:t>장비창</a:t>
+            </a:r>
+            <a:r>
               <a:rPr lang="en-US" altLang="ko-KR"/>
+              <a:t>-</a:t>
+            </a:r>
+            <a:r>
+              <a:rPr lang="ko-KR" altLang="en-US"/>
+              <a:t>아이템 슬롯</a:t>
+            </a:r>
+          </a:p>
+        </p:txBody>
+      </p:sp>
+      <p:sp>
+        <p:nvSpPr>
+          <p:cNvPr id="3" name="내용 개체 틀 2">
+            <a:extLst>
+              <a:ext uri="{FF2B5EF4-FFF2-40B4-BE49-F238E27FC236}">
+                <a16:creationId xmlns:a16="http://schemas.microsoft.com/office/drawing/2014/main" id="{D25D9926-1D0C-4EF0-5D59-573440881F5C}"/>
+              </a:ext>
+            </a:extLst>
+          </p:cNvPr>
+          <p:cNvSpPr>
+            <a:spLocks noGrp="1"/>
+          </p:cNvSpPr>
+          <p:nvPr>
+            <p:ph idx="1"/>
+          </p:nvPr>
+        </p:nvSpPr>
+        <p:spPr>
+          <a:xfrm>
+            <a:off x="242598" y="1895199"/>
+            <a:ext cx="10515600" cy="4351338"/>
+          </a:xfrm>
+        </p:spPr>
+        <p:txBody>
+          <a:bodyPr/>
+          <a:lstStyle/>
+          <a:p>
+            <a:r>
+              <a:rPr lang="ko-KR" altLang="en-US"/>
+              <a:t>장비창을 보면 각각 아이템이 어디에 셋팅될것인지 정해져 있다</a:t>
+            </a:r>
+            <a:r>
+              <a:rPr lang="en-US" altLang="ko-KR"/>
+              <a:t>.</a:t>
+            </a:r>
+          </a:p>
+          <a:p>
+            <a:r>
+              <a:rPr lang="ko-KR" altLang="en-US"/>
+              <a:t> 아이템 스크립트를 붙여 장비</a:t>
+            </a:r>
+            <a:r>
+              <a:rPr lang="en-US" altLang="ko-KR"/>
+              <a:t>/</a:t>
+            </a:r>
+            <a:r>
+              <a:rPr lang="ko-KR" altLang="en-US"/>
+              <a:t>장비</a:t>
+            </a:r>
+            <a:r>
+              <a:rPr lang="en-US" altLang="ko-KR"/>
+              <a:t>_</a:t>
+            </a:r>
+            <a:r>
+              <a:rPr lang="ko-KR" altLang="en-US"/>
+              <a:t>무기</a:t>
+            </a:r>
+            <a:endParaRPr lang="en-US" altLang="ko-KR"/>
+          </a:p>
+          <a:p>
+            <a:pPr marL="0" indent="0">
+              <a:buNone/>
+            </a:pPr>
+            <a:r>
+              <a:rPr lang="ko-KR" altLang="en-US"/>
+              <a:t>이렇게 설정해줬다</a:t>
+            </a:r>
+            <a:endParaRPr lang="en-US" altLang="ko-KR"/>
+          </a:p>
+          <a:p>
+            <a:pPr marL="0" indent="0">
+              <a:buNone/>
+            </a:pPr>
+            <a:endParaRPr lang="en-US" altLang="ko-KR"/>
+          </a:p>
+          <a:p>
+            <a:pPr marL="0" indent="0">
+              <a:buNone/>
+            </a:pPr>
+            <a:r>
+              <a:rPr lang="ko-KR" altLang="en-US"/>
+              <a:t>이렇게 설정해주면 인벤토리에서 아이템 </a:t>
+            </a:r>
+            <a:endParaRPr lang="en-US" altLang="ko-KR"/>
+          </a:p>
+          <a:p>
+            <a:pPr marL="0" indent="0">
+              <a:buNone/>
+            </a:pPr>
+            <a:r>
+              <a:rPr lang="ko-KR" altLang="en-US"/>
+              <a:t>장착시도 할 때 장비 창의타입을 확인 후 셋팅 된다</a:t>
+            </a:r>
+            <a:r>
+              <a:rPr lang="en-US" altLang="ko-KR"/>
+              <a:t>.</a:t>
+            </a:r>
+            <a:r>
+              <a:rPr lang="ko-KR" altLang="en-US"/>
               <a:t> </a:t>
-            </a:r>
-            <a:r>
-              <a:rPr lang="ko-KR" altLang="en-US"/>
-              <a:t>장비창 구조 </a:t>
             </a:r>
           </a:p>
         </p:txBody>
       </p:sp>
       <p:pic>
         <p:nvPicPr>
-          <p:cNvPr id="5" name="내용 개체 틀 4">
-            <a:extLst>
-              <a:ext uri="{FF2B5EF4-FFF2-40B4-BE49-F238E27FC236}">
-                <a16:creationId xmlns:a16="http://schemas.microsoft.com/office/drawing/2014/main" id="{968B93D0-E16B-5DE3-3A19-37AC2B238928}"/>
+          <p:cNvPr id="4" name="그림 3">
+            <a:extLst>
+              <a:ext uri="{FF2B5EF4-FFF2-40B4-BE49-F238E27FC236}">
+                <a16:creationId xmlns:a16="http://schemas.microsoft.com/office/drawing/2014/main" id="{4795E3F5-A718-A1DB-B44E-220D284BB4C5}"/>
               </a:ext>
             </a:extLst>
           </p:cNvPr>
           <p:cNvPicPr>
-            <a:picLocks noGrp="1" noChangeAspect="1"/>
+            <a:picLocks noChangeAspect="1"/>
           </p:cNvPicPr>
-          <p:nvPr>
-            <p:ph idx="1"/>
-          </p:nvPr>
+          <p:nvPr/>
         </p:nvPicPr>
         <p:blipFill>
           <a:blip r:embed="rId2"/>
@@ -5338,158 +5444,7 @@
         </p:blipFill>
         <p:spPr>
           <a:xfrm>
-            <a:off x="5631781" y="180158"/>
-            <a:ext cx="2657846" cy="2314898"/>
-          </a:xfrm>
-        </p:spPr>
-      </p:pic>
-      <p:sp>
-        <p:nvSpPr>
-          <p:cNvPr id="6" name="TextBox 5">
-            <a:extLst>
-              <a:ext uri="{FF2B5EF4-FFF2-40B4-BE49-F238E27FC236}">
-                <a16:creationId xmlns:a16="http://schemas.microsoft.com/office/drawing/2014/main" id="{3C4137B5-FEB0-EC1A-157E-91874F3BE650}"/>
-              </a:ext>
-            </a:extLst>
-          </p:cNvPr>
-          <p:cNvSpPr txBox="1"/>
-          <p:nvPr/>
-        </p:nvSpPr>
-        <p:spPr>
-          <a:xfrm>
-            <a:off x="102986" y="2898684"/>
-            <a:ext cx="7872184" cy="2585323"/>
-          </a:xfrm>
-          <a:prstGeom prst="rect">
-            <a:avLst/>
-          </a:prstGeom>
-          <a:noFill/>
-        </p:spPr>
-        <p:txBody>
-          <a:bodyPr wrap="square" rtlCol="0">
-            <a:spAutoFit/>
-          </a:bodyPr>
-          <a:lstStyle/>
-          <a:p>
-            <a:r>
-              <a:rPr lang="ko-KR" altLang="en-US"/>
-              <a:t>장비창과 인벤토리 접근 </a:t>
-            </a:r>
-            <a:r>
-              <a:rPr lang="en-US" altLang="ko-KR"/>
-              <a:t>(</a:t>
-            </a:r>
-            <a:r>
-              <a:rPr lang="ko-KR" altLang="en-US"/>
-              <a:t>연결</a:t>
-            </a:r>
-            <a:r>
-              <a:rPr lang="en-US" altLang="ko-KR"/>
-              <a:t>)</a:t>
-            </a:r>
-            <a:r>
-              <a:rPr lang="ko-KR" altLang="en-US"/>
-              <a:t>을  싱글톤으로 하면 서로 연결하기 쉬워서</a:t>
-            </a:r>
-            <a:endParaRPr lang="en-US" altLang="ko-KR"/>
-          </a:p>
-          <a:p>
-            <a:endParaRPr lang="en-US" altLang="ko-KR"/>
-          </a:p>
-          <a:p>
-            <a:r>
-              <a:rPr lang="en-US" altLang="ko-KR"/>
-              <a:t>**</a:t>
-            </a:r>
-            <a:r>
-              <a:rPr lang="ko-KR" altLang="en-US"/>
-              <a:t>구현</a:t>
-            </a:r>
-            <a:r>
-              <a:rPr lang="en-US" altLang="ko-KR"/>
-              <a:t>**</a:t>
-            </a:r>
-          </a:p>
-          <a:p>
-            <a:r>
-              <a:rPr lang="ko-KR" altLang="en-US"/>
-              <a:t>아이템 창 슬롯을 만들 때 이미지 오브젝트에 </a:t>
-            </a:r>
-            <a:r>
-              <a:rPr lang="en-US" altLang="ko-KR"/>
-              <a:t>item </a:t>
-            </a:r>
-            <a:r>
-              <a:rPr lang="ko-KR" altLang="en-US"/>
-              <a:t>스크립트를 붙여 </a:t>
-            </a:r>
-            <a:r>
-              <a:rPr lang="en-US" altLang="ko-KR"/>
-              <a:t>(</a:t>
-            </a:r>
-            <a:r>
-              <a:rPr lang="ko-KR" altLang="en-US"/>
-              <a:t>장비타입의 무기인지 모자인지 를 설정한다</a:t>
-            </a:r>
-            <a:r>
-              <a:rPr lang="en-US" altLang="ko-KR"/>
-              <a:t>.)</a:t>
-            </a:r>
-          </a:p>
-          <a:p>
-            <a:endParaRPr lang="en-US" altLang="ko-KR"/>
-          </a:p>
-          <a:p>
-            <a:r>
-              <a:rPr lang="en-US" altLang="ko-KR"/>
-              <a:t>2.</a:t>
-            </a:r>
-            <a:r>
-              <a:rPr lang="ko-KR" altLang="en-US"/>
-              <a:t>슬롯설정을 했으면 인벤토리에서 더블 클릭 했을 때</a:t>
-            </a:r>
-            <a:endParaRPr lang="en-US" altLang="ko-KR"/>
-          </a:p>
-          <a:p>
-            <a:r>
-              <a:rPr lang="ko-KR" altLang="en-US"/>
-              <a:t>장비면 장비창에서 무기인지 방어구인지 타입을 비교해서  타입에 맞는 슬롯에 셋팅되게 코드 설정한다</a:t>
-            </a:r>
-            <a:r>
-              <a:rPr lang="en-US" altLang="ko-KR"/>
-              <a:t>.</a:t>
-            </a:r>
-            <a:r>
-              <a:rPr lang="ko-KR" altLang="en-US"/>
-              <a:t>  </a:t>
-            </a:r>
-            <a:endParaRPr lang="en-US" altLang="ko-KR"/>
-          </a:p>
-        </p:txBody>
-      </p:sp>
-      <p:pic>
-        <p:nvPicPr>
-          <p:cNvPr id="8" name="그림 7">
-            <a:extLst>
-              <a:ext uri="{FF2B5EF4-FFF2-40B4-BE49-F238E27FC236}">
-                <a16:creationId xmlns:a16="http://schemas.microsoft.com/office/drawing/2014/main" id="{1FC39C7C-B38D-6CE1-9788-82F5A8FC745E}"/>
-              </a:ext>
-            </a:extLst>
-          </p:cNvPr>
-          <p:cNvPicPr>
-            <a:picLocks noChangeAspect="1"/>
-          </p:cNvPicPr>
-          <p:nvPr/>
-        </p:nvPicPr>
-        <p:blipFill>
-          <a:blip r:embed="rId3"/>
-          <a:stretch>
-            <a:fillRect/>
-          </a:stretch>
-        </p:blipFill>
-        <p:spPr>
-          <a:xfrm>
-            <a:off x="8699172" y="2782574"/>
+            <a:off x="8010058" y="2355192"/>
             <a:ext cx="3343742" cy="2505425"/>
           </a:xfrm>
           <a:prstGeom prst="rect">
@@ -5499,10 +5454,10 @@
       </p:pic>
       <p:grpSp>
         <p:nvGrpSpPr>
-          <p:cNvPr id="12" name="그룹 11">
-            <a:extLst>
-              <a:ext uri="{FF2B5EF4-FFF2-40B4-BE49-F238E27FC236}">
-                <a16:creationId xmlns:a16="http://schemas.microsoft.com/office/drawing/2014/main" id="{47440B5C-6F9C-B947-E8F5-ECBC4D4B2EF3}"/>
+          <p:cNvPr id="9" name="그룹 8">
+            <a:extLst>
+              <a:ext uri="{FF2B5EF4-FFF2-40B4-BE49-F238E27FC236}">
+                <a16:creationId xmlns:a16="http://schemas.microsoft.com/office/drawing/2014/main" id="{6B1C6779-91AA-6EF6-EF80-07C68CBADFE0}"/>
               </a:ext>
             </a:extLst>
           </p:cNvPr>
@@ -5511,20 +5466,20 @@
         </p:nvGrpSpPr>
         <p:grpSpPr>
           <a:xfrm>
-            <a:off x="7315184" y="3527045"/>
-            <a:ext cx="1335960" cy="457560"/>
-            <a:chOff x="7315184" y="3527045"/>
-            <a:chExt cx="1335960" cy="457560"/>
+            <a:off x="7549482" y="2175245"/>
+            <a:ext cx="4399920" cy="1513800"/>
+            <a:chOff x="7549482" y="2175245"/>
+            <a:chExt cx="4399920" cy="1513800"/>
           </a:xfrm>
         </p:grpSpPr>
         <mc:AlternateContent xmlns:mc="http://schemas.openxmlformats.org/markup-compatibility/2006">
           <mc:Choice xmlns:p14="http://schemas.microsoft.com/office/powerpoint/2010/main" Requires="p14">
-            <p:contentPart p14:bwMode="auto" r:id="rId4">
+            <p:contentPart p14:bwMode="auto" r:id="rId3">
               <p14:nvContentPartPr>
-                <p14:cNvPr id="9" name="잉크 8">
+                <p14:cNvPr id="5" name="잉크 4">
                   <a:extLst>
                     <a:ext uri="{FF2B5EF4-FFF2-40B4-BE49-F238E27FC236}">
-                      <a16:creationId xmlns:a16="http://schemas.microsoft.com/office/drawing/2014/main" id="{2361A9AE-B17D-7BC4-6B52-76517964D324}"/>
+                      <a16:creationId xmlns:a16="http://schemas.microsoft.com/office/drawing/2014/main" id="{C9A6CD69-3080-C274-6A33-21502AA34203}"/>
                     </a:ext>
                   </a:extLst>
                 </p14:cNvPr>
@@ -5532,18 +5487,18 @@
                 <p14:nvPr/>
               </p14:nvContentPartPr>
               <p14:xfrm>
-                <a:off x="7315184" y="3607685"/>
-                <a:ext cx="477720" cy="376920"/>
+                <a:off x="7549482" y="2802725"/>
+                <a:ext cx="263520" cy="886320"/>
               </p14:xfrm>
             </p:contentPart>
           </mc:Choice>
           <mc:Fallback>
             <p:pic>
               <p:nvPicPr>
-                <p:cNvPr id="9" name="잉크 8">
+                <p:cNvPr id="5" name="잉크 4">
                   <a:extLst>
                     <a:ext uri="{FF2B5EF4-FFF2-40B4-BE49-F238E27FC236}">
-                      <a16:creationId xmlns:a16="http://schemas.microsoft.com/office/drawing/2014/main" id="{2361A9AE-B17D-7BC4-6B52-76517964D324}"/>
+                      <a16:creationId xmlns:a16="http://schemas.microsoft.com/office/drawing/2014/main" id="{C9A6CD69-3080-C274-6A33-21502AA34203}"/>
                     </a:ext>
                   </a:extLst>
                 </p:cNvPr>
@@ -5551,15 +5506,15 @@
                 <p:nvPr/>
               </p:nvPicPr>
               <p:blipFill>
-                <a:blip r:embed="rId5"/>
+                <a:blip r:embed="rId4"/>
                 <a:stretch>
                   <a:fillRect/>
                 </a:stretch>
               </p:blipFill>
               <p:spPr>
                 <a:xfrm>
-                  <a:off x="7309064" y="3601565"/>
-                  <a:ext cx="489960" cy="389160"/>
+                  <a:off x="7543362" y="2796605"/>
+                  <a:ext cx="275760" cy="898560"/>
                 </a:xfrm>
                 <a:prstGeom prst="rect">
                   <a:avLst/>
@@ -5570,12 +5525,12 @@
         </mc:AlternateContent>
         <mc:AlternateContent xmlns:mc="http://schemas.openxmlformats.org/markup-compatibility/2006">
           <mc:Choice xmlns:p14="http://schemas.microsoft.com/office/powerpoint/2010/main" Requires="p14">
-            <p:contentPart p14:bwMode="auto" r:id="rId6">
+            <p:contentPart p14:bwMode="auto" r:id="rId5">
               <p14:nvContentPartPr>
-                <p14:cNvPr id="10" name="잉크 9">
+                <p14:cNvPr id="6" name="잉크 5">
                   <a:extLst>
                     <a:ext uri="{FF2B5EF4-FFF2-40B4-BE49-F238E27FC236}">
-                      <a16:creationId xmlns:a16="http://schemas.microsoft.com/office/drawing/2014/main" id="{ECC60078-EE10-9E57-7F07-CF74BBDE06FB}"/>
+                      <a16:creationId xmlns:a16="http://schemas.microsoft.com/office/drawing/2014/main" id="{3B8927F3-FF31-076B-44CD-FB29EBA774DD}"/>
                     </a:ext>
                   </a:extLst>
                 </p14:cNvPr>
@@ -5583,18 +5538,18 @@
                 <p14:nvPr/>
               </p14:nvContentPartPr>
               <p14:xfrm>
-                <a:off x="7782104" y="3647645"/>
-                <a:ext cx="747360" cy="94680"/>
+                <a:off x="7822002" y="3429125"/>
+                <a:ext cx="3251880" cy="81360"/>
               </p14:xfrm>
             </p:contentPart>
           </mc:Choice>
           <mc:Fallback>
             <p:pic>
               <p:nvPicPr>
-                <p:cNvPr id="10" name="잉크 9">
+                <p:cNvPr id="6" name="잉크 5">
                   <a:extLst>
                     <a:ext uri="{FF2B5EF4-FFF2-40B4-BE49-F238E27FC236}">
-                      <a16:creationId xmlns:a16="http://schemas.microsoft.com/office/drawing/2014/main" id="{ECC60078-EE10-9E57-7F07-CF74BBDE06FB}"/>
+                      <a16:creationId xmlns:a16="http://schemas.microsoft.com/office/drawing/2014/main" id="{3B8927F3-FF31-076B-44CD-FB29EBA774DD}"/>
                     </a:ext>
                   </a:extLst>
                 </p:cNvPr>
@@ -5602,15 +5557,15 @@
                 <p:nvPr/>
               </p:nvPicPr>
               <p:blipFill>
-                <a:blip r:embed="rId7"/>
+                <a:blip r:embed="rId6"/>
                 <a:stretch>
                   <a:fillRect/>
                 </a:stretch>
               </p:blipFill>
               <p:spPr>
                 <a:xfrm>
-                  <a:off x="7775984" y="3641525"/>
-                  <a:ext cx="759600" cy="106920"/>
+                  <a:off x="7815882" y="3423005"/>
+                  <a:ext cx="3264120" cy="93600"/>
                 </a:xfrm>
                 <a:prstGeom prst="rect">
                   <a:avLst/>
@@ -5621,12 +5576,12 @@
         </mc:AlternateContent>
         <mc:AlternateContent xmlns:mc="http://schemas.openxmlformats.org/markup-compatibility/2006">
           <mc:Choice xmlns:p14="http://schemas.microsoft.com/office/powerpoint/2010/main" Requires="p14">
-            <p:contentPart p14:bwMode="auto" r:id="rId8">
+            <p:contentPart p14:bwMode="auto" r:id="rId7">
               <p14:nvContentPartPr>
-                <p14:cNvPr id="11" name="잉크 10">
+                <p14:cNvPr id="8" name="잉크 7">
                   <a:extLst>
                     <a:ext uri="{FF2B5EF4-FFF2-40B4-BE49-F238E27FC236}">
-                      <a16:creationId xmlns:a16="http://schemas.microsoft.com/office/drawing/2014/main" id="{DF5FF750-05F8-3AAE-C203-B0665B22C7B6}"/>
+                      <a16:creationId xmlns:a16="http://schemas.microsoft.com/office/drawing/2014/main" id="{FED47401-FA7F-DDFA-B31F-D420ADC84468}"/>
                     </a:ext>
                   </a:extLst>
                 </p14:cNvPr>
@@ -5634,18 +5589,18 @@
                 <p14:nvPr/>
               </p14:nvContentPartPr>
               <p14:xfrm>
-                <a:off x="8428304" y="3527045"/>
-                <a:ext cx="222840" cy="353880"/>
+                <a:off x="7702482" y="2175245"/>
+                <a:ext cx="4246920" cy="1433520"/>
               </p14:xfrm>
             </p:contentPart>
           </mc:Choice>
           <mc:Fallback>
             <p:pic>
               <p:nvPicPr>
-                <p:cNvPr id="11" name="잉크 10">
+                <p:cNvPr id="8" name="잉크 7">
                   <a:extLst>
                     <a:ext uri="{FF2B5EF4-FFF2-40B4-BE49-F238E27FC236}">
-                      <a16:creationId xmlns:a16="http://schemas.microsoft.com/office/drawing/2014/main" id="{DF5FF750-05F8-3AAE-C203-B0665B22C7B6}"/>
+                      <a16:creationId xmlns:a16="http://schemas.microsoft.com/office/drawing/2014/main" id="{FED47401-FA7F-DDFA-B31F-D420ADC84468}"/>
                     </a:ext>
                   </a:extLst>
                 </p:cNvPr>
@@ -5653,15 +5608,15 @@
                 <p:nvPr/>
               </p:nvPicPr>
               <p:blipFill>
-                <a:blip r:embed="rId9"/>
+                <a:blip r:embed="rId8"/>
                 <a:stretch>
                   <a:fillRect/>
                 </a:stretch>
               </p:blipFill>
               <p:spPr>
                 <a:xfrm>
-                  <a:off x="8422184" y="3520925"/>
-                  <a:ext cx="235080" cy="366120"/>
+                  <a:off x="7696362" y="2169125"/>
+                  <a:ext cx="4259160" cy="1445760"/>
                 </a:xfrm>
                 <a:prstGeom prst="rect">
                   <a:avLst/>
@@ -5674,7 +5629,231 @@
     </p:spTree>
     <p:extLst>
       <p:ext uri="{BB962C8B-B14F-4D97-AF65-F5344CB8AC3E}">
-        <p14:creationId xmlns:p14="http://schemas.microsoft.com/office/powerpoint/2010/main" val="2553533755"/>
+        <p14:creationId xmlns:p14="http://schemas.microsoft.com/office/powerpoint/2010/main" val="292807595"/>
+      </p:ext>
+    </p:extLst>
+  </p:cSld>
+  <p:clrMapOvr>
+    <a:masterClrMapping/>
+  </p:clrMapOvr>
+</p:sld>
+</file>
+
+<file path=ppt/slides/slide7.xml><?xml version="1.0" encoding="utf-8"?>
+<p:sld xmlns:a="http://schemas.openxmlformats.org/drawingml/2006/main" xmlns:r="http://schemas.openxmlformats.org/officeDocument/2006/relationships" xmlns:p="http://schemas.openxmlformats.org/presentationml/2006/main">
+  <p:cSld>
+    <p:spTree>
+      <p:nvGrpSpPr>
+        <p:cNvPr id="1" name=""/>
+        <p:cNvGrpSpPr/>
+        <p:nvPr/>
+      </p:nvGrpSpPr>
+      <p:grpSpPr>
+        <a:xfrm>
+          <a:off x="0" y="0"/>
+          <a:ext cx="0" cy="0"/>
+          <a:chOff x="0" y="0"/>
+          <a:chExt cx="0" cy="0"/>
+        </a:xfrm>
+      </p:grpSpPr>
+      <p:sp>
+        <p:nvSpPr>
+          <p:cNvPr id="2" name="제목 1">
+            <a:extLst>
+              <a:ext uri="{FF2B5EF4-FFF2-40B4-BE49-F238E27FC236}">
+                <a16:creationId xmlns:a16="http://schemas.microsoft.com/office/drawing/2014/main" id="{88B7FFCD-4430-C0C9-166D-9ECD0F1EC680}"/>
+              </a:ext>
+            </a:extLst>
+          </p:cNvPr>
+          <p:cNvSpPr>
+            <a:spLocks noGrp="1"/>
+          </p:cNvSpPr>
+          <p:nvPr>
+            <p:ph type="title"/>
+          </p:nvPr>
+        </p:nvSpPr>
+        <p:spPr/>
+        <p:txBody>
+          <a:bodyPr/>
+          <a:lstStyle/>
+          <a:p>
+            <a:r>
+              <a:rPr lang="ko-KR" altLang="en-US"/>
+              <a:t>장비창</a:t>
+            </a:r>
+            <a:r>
+              <a:rPr lang="en-US" altLang="ko-KR"/>
+              <a:t>-</a:t>
+            </a:r>
+            <a:r>
+              <a:rPr lang="ko-KR" altLang="en-US"/>
+              <a:t>장비창에서 해제</a:t>
+            </a:r>
+          </a:p>
+        </p:txBody>
+      </p:sp>
+      <p:sp>
+        <p:nvSpPr>
+          <p:cNvPr id="3" name="내용 개체 틀 2">
+            <a:extLst>
+              <a:ext uri="{FF2B5EF4-FFF2-40B4-BE49-F238E27FC236}">
+                <a16:creationId xmlns:a16="http://schemas.microsoft.com/office/drawing/2014/main" id="{B76B15BF-7ADD-2A75-98B3-5BDAC74ED9DA}"/>
+              </a:ext>
+            </a:extLst>
+          </p:cNvPr>
+          <p:cNvSpPr>
+            <a:spLocks noGrp="1"/>
+          </p:cNvSpPr>
+          <p:nvPr>
+            <p:ph idx="1"/>
+          </p:nvPr>
+        </p:nvSpPr>
+        <p:spPr>
+          <a:xfrm>
+            <a:off x="13252" y="1408182"/>
+            <a:ext cx="12178748" cy="5449818"/>
+          </a:xfrm>
+        </p:spPr>
+        <p:txBody>
+          <a:bodyPr/>
+          <a:lstStyle/>
+          <a:p>
+            <a:r>
+              <a:rPr lang="ko-KR" altLang="en-US"/>
+              <a:t>사용된 스크립트</a:t>
+            </a:r>
+            <a:r>
+              <a:rPr lang="en-US" altLang="ko-KR"/>
+              <a:t>: ItemWindowDoubleClick</a:t>
+            </a:r>
+          </a:p>
+          <a:p>
+            <a:endParaRPr lang="en-US" altLang="ko-KR"/>
+          </a:p>
+          <a:p>
+            <a:r>
+              <a:rPr lang="en-US" altLang="ko-KR"/>
+              <a:t> ItemWindowHandler.Instance.WeaponFlag </a:t>
+            </a:r>
+            <a:r>
+              <a:rPr lang="ko-KR" altLang="en-US"/>
+              <a:t>변수는 아이템</a:t>
+            </a:r>
+            <a:r>
+              <a:rPr lang="en-US" altLang="ko-KR"/>
+              <a:t>,</a:t>
+            </a:r>
+            <a:r>
+              <a:rPr lang="ko-KR" altLang="en-US"/>
+              <a:t>장착중 </a:t>
+            </a:r>
+            <a:r>
+              <a:rPr lang="en-US" altLang="ko-KR"/>
+              <a:t>/ </a:t>
+            </a:r>
+            <a:r>
+              <a:rPr lang="ko-KR" altLang="en-US"/>
+              <a:t>장착해제 중</a:t>
+            </a:r>
+            <a:r>
+              <a:rPr lang="en-US" altLang="ko-KR"/>
+              <a:t> </a:t>
+            </a:r>
+            <a:r>
+              <a:rPr lang="ko-KR" altLang="en-US"/>
+              <a:t>구분용 </a:t>
+            </a:r>
+            <a:r>
+              <a:rPr lang="en-US" altLang="ko-KR"/>
+              <a:t>bool</a:t>
+            </a:r>
+            <a:r>
+              <a:rPr lang="ko-KR" altLang="en-US"/>
+              <a:t>변수 입니다</a:t>
+            </a:r>
+            <a:r>
+              <a:rPr lang="en-US" altLang="ko-KR"/>
+              <a:t>.</a:t>
+            </a:r>
+          </a:p>
+          <a:p>
+            <a:r>
+              <a:rPr lang="ko-KR" altLang="en-US"/>
+              <a:t>장비창에서 더블클릭하여 장착 해제를 할 때 </a:t>
+            </a:r>
+            <a:endParaRPr lang="en-US" altLang="ko-KR"/>
+          </a:p>
+          <a:p>
+            <a:r>
+              <a:rPr lang="en-US" altLang="ko-KR"/>
+              <a:t>InventoryHandler</a:t>
+            </a:r>
+            <a:r>
+              <a:rPr lang="ko-KR" altLang="en-US"/>
+              <a:t>에 </a:t>
+            </a:r>
+            <a:r>
+              <a:rPr lang="en-US" altLang="ko-KR"/>
+              <a:t>static List&lt;item&gt;</a:t>
+            </a:r>
+            <a:r>
+              <a:rPr lang="ko-KR" altLang="en-US"/>
+              <a:t>를 순회하여</a:t>
+            </a:r>
+            <a:endParaRPr lang="en-US" altLang="ko-KR"/>
+          </a:p>
+          <a:p>
+            <a:r>
+              <a:rPr lang="en-US" altLang="ko-KR"/>
+              <a:t>ItemEnum.NULL </a:t>
+            </a:r>
+            <a:r>
+              <a:rPr lang="en-US" altLang="ko-KR">
+                <a:sym typeface="Wingdings" panose="05000000000000000000" pitchFamily="2" charset="2"/>
+              </a:rPr>
+              <a:t> </a:t>
+            </a:r>
+            <a:r>
+              <a:rPr lang="ko-KR" altLang="en-US">
+                <a:sym typeface="Wingdings" panose="05000000000000000000" pitchFamily="2" charset="2"/>
+              </a:rPr>
+              <a:t>인벤토리에 빈공간을 탐색하여 </a:t>
+            </a:r>
+            <a:endParaRPr lang="en-US" altLang="ko-KR">
+              <a:sym typeface="Wingdings" panose="05000000000000000000" pitchFamily="2" charset="2"/>
+            </a:endParaRPr>
+          </a:p>
+          <a:p>
+            <a:r>
+              <a:rPr lang="ko-KR" altLang="en-US">
+                <a:sym typeface="Wingdings" panose="05000000000000000000" pitchFamily="2" charset="2"/>
+              </a:rPr>
+              <a:t>빈공간으로 아이템을 옮긴다</a:t>
+            </a:r>
+            <a:r>
+              <a:rPr lang="en-US" altLang="ko-KR">
+                <a:sym typeface="Wingdings" panose="05000000000000000000" pitchFamily="2" charset="2"/>
+              </a:rPr>
+              <a:t>.</a:t>
+            </a:r>
+            <a:endParaRPr lang="en-US" altLang="ko-KR"/>
+          </a:p>
+          <a:p>
+            <a:pPr marL="0" indent="0">
+              <a:buNone/>
+            </a:pPr>
+            <a:r>
+              <a:rPr lang="en-US" altLang="ko-KR"/>
+              <a:t> </a:t>
+            </a:r>
+            <a:endParaRPr lang="ko-KR" altLang="en-US"/>
+          </a:p>
+        </p:txBody>
+      </p:sp>
+    </p:spTree>
+    <p:extLst>
+      <p:ext uri="{BB962C8B-B14F-4D97-AF65-F5344CB8AC3E}">
+        <p14:creationId xmlns:p14="http://schemas.microsoft.com/office/powerpoint/2010/main" val="2599952043"/>
       </p:ext>
     </p:extLst>
   </p:cSld>
